--- a/PaperPresentation/Paper_Varin.pptx
+++ b/PaperPresentation/Paper_Varin.pptx
@@ -12,18 +12,19 @@
     <p:sldMasterId id="2147483753" r:id="rId8"/>
   </p:sldMasterIdLst>
   <p:notesMasterIdLst>
-    <p:notesMasterId r:id="rId15"/>
+    <p:notesMasterId r:id="rId16"/>
   </p:notesMasterIdLst>
   <p:handoutMasterIdLst>
-    <p:handoutMasterId r:id="rId16"/>
+    <p:handoutMasterId r:id="rId17"/>
   </p:handoutMasterIdLst>
   <p:sldIdLst>
-    <p:sldId id="315" r:id="rId9"/>
-    <p:sldId id="318" r:id="rId10"/>
-    <p:sldId id="313" r:id="rId11"/>
-    <p:sldId id="314" r:id="rId12"/>
-    <p:sldId id="317" r:id="rId13"/>
-    <p:sldId id="316" r:id="rId14"/>
+    <p:sldId id="318" r:id="rId9"/>
+    <p:sldId id="322" r:id="rId10"/>
+    <p:sldId id="317" r:id="rId11"/>
+    <p:sldId id="319" r:id="rId12"/>
+    <p:sldId id="324" r:id="rId13"/>
+    <p:sldId id="323" r:id="rId14"/>
+    <p:sldId id="321" r:id="rId15"/>
   </p:sldIdLst>
   <p:sldSz cx="12187238" cy="6858000"/>
   <p:notesSz cx="7099300" cy="10234613"/>
@@ -1418,7 +1419,92 @@
             <a:fld id="{A51C0C35-A9A2-4EFD-9BAF-1E52E29E03D1}" type="slidenum">
               <a:rPr lang="de-CH" smtClean="0"/>
               <a:pPr/>
-              <a:t>4</a:t>
+              <a:t>1</a:t>
+            </a:fld>
+            <a:endParaRPr lang="de-CH" dirty="0"/>
+          </a:p>
+        </p:txBody>
+      </p:sp>
+    </p:spTree>
+    <p:extLst>
+      <p:ext uri="{BB962C8B-B14F-4D97-AF65-F5344CB8AC3E}">
+        <p14:creationId xmlns:p14="http://schemas.microsoft.com/office/powerpoint/2010/main" val="2942502639"/>
+      </p:ext>
+    </p:extLst>
+  </p:cSld>
+  <p:clrMapOvr>
+    <a:masterClrMapping/>
+  </p:clrMapOvr>
+</p:notes>
+</file>
+
+<file path=ppt/notesSlides/notesSlide2.xml><?xml version="1.0" encoding="utf-8"?>
+<p:notes xmlns:a="http://schemas.openxmlformats.org/drawingml/2006/main" xmlns:r="http://schemas.openxmlformats.org/officeDocument/2006/relationships" xmlns:p="http://schemas.openxmlformats.org/presentationml/2006/main">
+  <p:cSld>
+    <p:spTree>
+      <p:nvGrpSpPr>
+        <p:cNvPr id="1" name=""/>
+        <p:cNvGrpSpPr/>
+        <p:nvPr/>
+      </p:nvGrpSpPr>
+      <p:grpSpPr>
+        <a:xfrm>
+          <a:off x="0" y="0"/>
+          <a:ext cx="0" cy="0"/>
+          <a:chOff x="0" y="0"/>
+          <a:chExt cx="0" cy="0"/>
+        </a:xfrm>
+      </p:grpSpPr>
+      <p:sp>
+        <p:nvSpPr>
+          <p:cNvPr id="2" name="Folienbildplatzhalter 1"/>
+          <p:cNvSpPr>
+            <a:spLocks noGrp="1" noRot="1" noChangeAspect="1"/>
+          </p:cNvSpPr>
+          <p:nvPr>
+            <p:ph type="sldImg"/>
+          </p:nvPr>
+        </p:nvSpPr>
+        <p:spPr/>
+      </p:sp>
+      <p:sp>
+        <p:nvSpPr>
+          <p:cNvPr id="3" name="Notizenplatzhalter 2"/>
+          <p:cNvSpPr>
+            <a:spLocks noGrp="1"/>
+          </p:cNvSpPr>
+          <p:nvPr>
+            <p:ph type="body" idx="1"/>
+          </p:nvPr>
+        </p:nvSpPr>
+        <p:spPr/>
+        <p:txBody>
+          <a:bodyPr/>
+          <a:lstStyle/>
+          <a:p>
+            <a:endParaRPr lang="de-CH" dirty="0"/>
+          </a:p>
+        </p:txBody>
+      </p:sp>
+      <p:sp>
+        <p:nvSpPr>
+          <p:cNvPr id="4" name="Foliennummernplatzhalter 3"/>
+          <p:cNvSpPr>
+            <a:spLocks noGrp="1"/>
+          </p:cNvSpPr>
+          <p:nvPr>
+            <p:ph type="sldNum" sz="quarter" idx="10"/>
+          </p:nvPr>
+        </p:nvSpPr>
+        <p:spPr/>
+        <p:txBody>
+          <a:bodyPr/>
+          <a:lstStyle/>
+          <a:p>
+            <a:fld id="{A51C0C35-A9A2-4EFD-9BAF-1E52E29E03D1}" type="slidenum">
+              <a:rPr lang="de-CH" smtClean="0"/>
+              <a:pPr/>
+              <a:t>6</a:t>
             </a:fld>
             <a:endParaRPr lang="de-CH" dirty="0"/>
           </a:p>
@@ -30529,7 +30615,7 @@
         <p:spPr>
           <a:xfrm>
             <a:off x="323850" y="1556740"/>
-            <a:ext cx="11537950" cy="4210046"/>
+            <a:ext cx="11537950" cy="1440200"/>
           </a:xfrm>
         </p:spPr>
         <p:txBody>
@@ -30592,87 +30678,7 @@
               <a:rPr lang="de-CH" dirty="0" err="1" smtClean="0"/>
               <a:t>similar</a:t>
             </a:r>
-            <a:r>
-              <a:rPr lang="de-CH" dirty="0" smtClean="0"/>
-              <a:t> </a:t>
-            </a:r>
-            <a:r>
-              <a:rPr lang="de-CH" dirty="0" err="1" smtClean="0"/>
-              <a:t>because</a:t>
-            </a:r>
-            <a:r>
-              <a:rPr lang="de-CH" dirty="0" smtClean="0"/>
-              <a:t> </a:t>
-            </a:r>
-            <a:r>
-              <a:rPr lang="de-CH" dirty="0" err="1" smtClean="0"/>
-              <a:t>of</a:t>
-            </a:r>
-            <a:endParaRPr lang="de-CH" dirty="0" smtClean="0"/>
-          </a:p>
-          <a:p>
-            <a:pPr lvl="1"/>
-            <a:r>
-              <a:rPr lang="de-CH" dirty="0" smtClean="0"/>
-              <a:t>Image </a:t>
-            </a:r>
-            <a:r>
-              <a:rPr lang="de-CH" dirty="0" err="1" smtClean="0"/>
-              <a:t>retrieval</a:t>
-            </a:r>
-            <a:r>
-              <a:rPr lang="de-CH" dirty="0" smtClean="0"/>
-              <a:t> </a:t>
-            </a:r>
-            <a:r>
-              <a:rPr lang="de-CH" dirty="0" err="1" smtClean="0"/>
-              <a:t>failures</a:t>
-            </a:r>
             <a:endParaRPr lang="de-CH" dirty="0"/>
-          </a:p>
-          <a:p>
-            <a:pPr lvl="1"/>
-            <a:r>
-              <a:rPr lang="de-CH" dirty="0" smtClean="0"/>
-              <a:t>limited </a:t>
-            </a:r>
-            <a:r>
-              <a:rPr lang="de-CH" dirty="0" err="1" smtClean="0"/>
-              <a:t>computing</a:t>
-            </a:r>
-            <a:r>
-              <a:rPr lang="de-CH" dirty="0" smtClean="0"/>
-              <a:t> </a:t>
-            </a:r>
-            <a:r>
-              <a:rPr lang="de-CH" dirty="0" err="1" smtClean="0"/>
-              <a:t>budget</a:t>
-            </a:r>
-            <a:r>
-              <a:rPr lang="de-CH" dirty="0" smtClean="0"/>
-              <a:t> </a:t>
-            </a:r>
-            <a:r>
-              <a:rPr lang="de-CH" dirty="0" err="1" smtClean="0"/>
-              <a:t>as</a:t>
-            </a:r>
-            <a:r>
-              <a:rPr lang="de-CH" dirty="0" smtClean="0"/>
-              <a:t> </a:t>
-            </a:r>
-            <a:r>
-              <a:rPr lang="de-CH" dirty="0" err="1" smtClean="0"/>
-              <a:t>discussed</a:t>
-            </a:r>
-            <a:r>
-              <a:rPr lang="de-CH" dirty="0" smtClean="0"/>
-              <a:t> </a:t>
-            </a:r>
-            <a:r>
-              <a:rPr lang="de-CH" dirty="0" err="1" smtClean="0"/>
-              <a:t>before</a:t>
-            </a:r>
-            <a:endParaRPr lang="de-CH" dirty="0" smtClean="0"/>
           </a:p>
           <a:p>
             <a:endParaRPr lang="de-CH" dirty="0" smtClean="0"/>
@@ -30689,104 +30695,6 @@
             <a:endParaRPr lang="de-CH" dirty="0"/>
           </a:p>
           <a:p>
-            <a:pPr lvl="1"/>
-            <a:r>
-              <a:rPr lang="de-CH" dirty="0" err="1" smtClean="0"/>
-              <a:t>Merging</a:t>
-            </a:r>
-            <a:r>
-              <a:rPr lang="de-CH" dirty="0" smtClean="0"/>
-              <a:t> </a:t>
-            </a:r>
-            <a:r>
-              <a:rPr lang="de-CH" dirty="0" err="1" smtClean="0"/>
-              <a:t>strategy</a:t>
-            </a:r>
-            <a:r>
-              <a:rPr lang="de-CH" dirty="0" smtClean="0"/>
-              <a:t>: </a:t>
-            </a:r>
-            <a:r>
-              <a:rPr lang="de-CH" dirty="0" err="1" smtClean="0"/>
-              <a:t>Maximize</a:t>
-            </a:r>
-            <a:r>
-              <a:rPr lang="de-CH" dirty="0" smtClean="0"/>
-              <a:t> </a:t>
-            </a:r>
-            <a:r>
-              <a:rPr lang="de-CH" dirty="0" err="1" smtClean="0"/>
-              <a:t>average</a:t>
-            </a:r>
-            <a:r>
-              <a:rPr lang="de-CH" dirty="0" smtClean="0"/>
-              <a:t> </a:t>
-            </a:r>
-            <a:r>
-              <a:rPr lang="de-CH" dirty="0" err="1" smtClean="0"/>
-              <a:t>iconic</a:t>
-            </a:r>
-            <a:r>
-              <a:rPr lang="de-CH" dirty="0" smtClean="0"/>
-              <a:t>-</a:t>
-            </a:r>
-            <a:r>
-              <a:rPr lang="de-CH" dirty="0" err="1" smtClean="0"/>
-              <a:t>to</a:t>
-            </a:r>
-            <a:r>
-              <a:rPr lang="de-CH" dirty="0" smtClean="0"/>
-              <a:t>-cluster </a:t>
-            </a:r>
-            <a:r>
-              <a:rPr lang="de-CH" dirty="0" err="1" smtClean="0"/>
-              <a:t>image</a:t>
-            </a:r>
-            <a:r>
-              <a:rPr lang="de-CH" dirty="0" smtClean="0"/>
-              <a:t> </a:t>
-            </a:r>
-            <a:r>
-              <a:rPr lang="de-CH" dirty="0" err="1" smtClean="0"/>
-              <a:t>ratio</a:t>
-            </a:r>
-            <a:r>
-              <a:rPr lang="de-CH" dirty="0" smtClean="0"/>
-              <a:t>.</a:t>
-            </a:r>
-          </a:p>
-          <a:p>
-            <a:pPr lvl="1"/>
-            <a:r>
-              <a:rPr lang="de-CH" dirty="0" smtClean="0"/>
-              <a:t>Keep </a:t>
-            </a:r>
-            <a:r>
-              <a:rPr lang="de-CH" dirty="0" err="1" smtClean="0"/>
-              <a:t>better</a:t>
-            </a:r>
-            <a:r>
-              <a:rPr lang="de-CH" dirty="0" smtClean="0"/>
-              <a:t> </a:t>
-            </a:r>
-            <a:r>
-              <a:rPr lang="de-CH" dirty="0" err="1" smtClean="0"/>
-              <a:t>iconic</a:t>
-            </a:r>
-            <a:r>
-              <a:rPr lang="de-CH" dirty="0" smtClean="0"/>
-              <a:t> </a:t>
-            </a:r>
-            <a:r>
-              <a:rPr lang="de-CH" dirty="0" err="1" smtClean="0"/>
-              <a:t>image</a:t>
-            </a:r>
-            <a:endParaRPr lang="de-CH" dirty="0" smtClean="0"/>
-          </a:p>
-          <a:p>
-            <a:pPr marL="0" indent="0">
-              <a:buNone/>
-            </a:pPr>
             <a:endParaRPr lang="de-CH" dirty="0"/>
           </a:p>
         </p:txBody>
@@ -30855,255 +30763,6 @@
             <a:fld id="{6C6AE60A-B69C-4790-82F7-3882EDF23186}" type="slidenum">
               <a:rPr lang="de-CH" smtClean="0"/>
               <a:t>1</a:t>
-            </a:fld>
-            <a:endParaRPr lang="de-CH" dirty="0"/>
-          </a:p>
-        </p:txBody>
-      </p:sp>
-      <p:sp>
-        <p:nvSpPr>
-          <p:cNvPr id="6" name="Titel 5"/>
-          <p:cNvSpPr>
-            <a:spLocks noGrp="1"/>
-          </p:cNvSpPr>
-          <p:nvPr>
-            <p:ph type="title"/>
-          </p:nvPr>
-        </p:nvSpPr>
-        <p:spPr/>
-        <p:txBody>
-          <a:bodyPr/>
-          <a:lstStyle/>
-          <a:p>
-            <a:r>
-              <a:rPr lang="de-CH" dirty="0" smtClean="0"/>
-              <a:t>Cluster </a:t>
-            </a:r>
-            <a:r>
-              <a:rPr lang="de-CH" dirty="0" err="1" smtClean="0"/>
-              <a:t>Merging</a:t>
-            </a:r>
-            <a:endParaRPr lang="de-CH" dirty="0"/>
-          </a:p>
-        </p:txBody>
-      </p:sp>
-    </p:spTree>
-    <p:extLst>
-      <p:ext uri="{BB962C8B-B14F-4D97-AF65-F5344CB8AC3E}">
-        <p14:creationId xmlns:p14="http://schemas.microsoft.com/office/powerpoint/2010/main" val="525876669"/>
-      </p:ext>
-    </p:extLst>
-  </p:cSld>
-  <p:clrMapOvr>
-    <a:masterClrMapping/>
-  </p:clrMapOvr>
-  <p:transition>
-    <p:fade/>
-  </p:transition>
-  <p:timing>
-    <p:tnLst>
-      <p:par>
-        <p:cTn id="1" dur="indefinite" restart="never" nodeType="tmRoot"/>
-      </p:par>
-    </p:tnLst>
-  </p:timing>
-</p:sld>
-</file>
-
-<file path=ppt/slides/slide2.xml><?xml version="1.0" encoding="utf-8"?>
-<p:sld xmlns:a="http://schemas.openxmlformats.org/drawingml/2006/main" xmlns:r="http://schemas.openxmlformats.org/officeDocument/2006/relationships" xmlns:p="http://schemas.openxmlformats.org/presentationml/2006/main">
-  <p:cSld>
-    <p:spTree>
-      <p:nvGrpSpPr>
-        <p:cNvPr id="1" name=""/>
-        <p:cNvGrpSpPr/>
-        <p:nvPr/>
-      </p:nvGrpSpPr>
-      <p:grpSpPr>
-        <a:xfrm>
-          <a:off x="0" y="0"/>
-          <a:ext cx="0" cy="0"/>
-          <a:chOff x="0" y="0"/>
-          <a:chExt cx="0" cy="0"/>
-        </a:xfrm>
-      </p:grpSpPr>
-      <p:sp>
-        <p:nvSpPr>
-          <p:cNvPr id="2" name="Inhaltsplatzhalter 1"/>
-          <p:cNvSpPr>
-            <a:spLocks noGrp="1"/>
-          </p:cNvSpPr>
-          <p:nvPr>
-            <p:ph idx="1"/>
-          </p:nvPr>
-        </p:nvSpPr>
-        <p:spPr>
-          <a:xfrm>
-            <a:off x="323850" y="1556740"/>
-            <a:ext cx="11537950" cy="1440200"/>
-          </a:xfrm>
-        </p:spPr>
-        <p:txBody>
-          <a:bodyPr/>
-          <a:lstStyle/>
-          <a:p>
-            <a:r>
-              <a:rPr lang="de-CH" dirty="0" smtClean="0"/>
-              <a:t>Problem: </a:t>
-            </a:r>
-            <a:r>
-              <a:rPr lang="de-CH" dirty="0" err="1" smtClean="0"/>
-              <a:t>Two</a:t>
-            </a:r>
-            <a:r>
-              <a:rPr lang="de-CH" dirty="0" smtClean="0"/>
-              <a:t> </a:t>
-            </a:r>
-            <a:r>
-              <a:rPr lang="de-CH" dirty="0" err="1" smtClean="0"/>
-              <a:t>or</a:t>
-            </a:r>
-            <a:r>
-              <a:rPr lang="de-CH" dirty="0" smtClean="0"/>
-              <a:t> </a:t>
-            </a:r>
-            <a:r>
-              <a:rPr lang="de-CH" dirty="0" err="1" smtClean="0"/>
-              <a:t>more</a:t>
-            </a:r>
-            <a:r>
-              <a:rPr lang="de-CH" dirty="0" smtClean="0"/>
-              <a:t> </a:t>
-            </a:r>
-            <a:r>
-              <a:rPr lang="de-CH" dirty="0" err="1" smtClean="0"/>
-              <a:t>clusters</a:t>
-            </a:r>
-            <a:r>
-              <a:rPr lang="de-CH" dirty="0" smtClean="0"/>
-              <a:t> </a:t>
-            </a:r>
-            <a:r>
-              <a:rPr lang="de-CH" dirty="0" err="1" smtClean="0"/>
-              <a:t>can</a:t>
-            </a:r>
-            <a:r>
-              <a:rPr lang="de-CH" dirty="0" smtClean="0"/>
-              <a:t> </a:t>
-            </a:r>
-            <a:r>
-              <a:rPr lang="de-CH" dirty="0" err="1" smtClean="0"/>
-              <a:t>be</a:t>
-            </a:r>
-            <a:r>
-              <a:rPr lang="de-CH" dirty="0" smtClean="0"/>
-              <a:t> </a:t>
-            </a:r>
-            <a:r>
-              <a:rPr lang="de-CH" dirty="0" err="1" smtClean="0"/>
-              <a:t>similar</a:t>
-            </a:r>
-            <a:r>
-              <a:rPr lang="de-CH" dirty="0" smtClean="0"/>
-              <a:t> </a:t>
-            </a:r>
-            <a:r>
-              <a:rPr lang="de-CH" dirty="0" err="1" smtClean="0"/>
-              <a:t>because</a:t>
-            </a:r>
-            <a:r>
-              <a:rPr lang="de-CH" dirty="0" smtClean="0"/>
-              <a:t> </a:t>
-            </a:r>
-            <a:r>
-              <a:rPr lang="de-CH" dirty="0" err="1" smtClean="0"/>
-              <a:t>of</a:t>
-            </a:r>
-            <a:endParaRPr lang="de-CH" dirty="0"/>
-          </a:p>
-          <a:p>
-            <a:endParaRPr lang="de-CH" dirty="0" smtClean="0"/>
-          </a:p>
-          <a:p>
-            <a:r>
-              <a:rPr lang="de-CH" dirty="0" smtClean="0"/>
-              <a:t>Solution: </a:t>
-            </a:r>
-            <a:r>
-              <a:rPr lang="de-CH" dirty="0" err="1" smtClean="0"/>
-              <a:t>Merging</a:t>
-            </a:r>
-            <a:endParaRPr lang="de-CH" dirty="0"/>
-          </a:p>
-          <a:p>
-            <a:endParaRPr lang="de-CH" dirty="0"/>
-          </a:p>
-        </p:txBody>
-      </p:sp>
-      <p:sp>
-        <p:nvSpPr>
-          <p:cNvPr id="3" name="Datumsplatzhalter 2"/>
-          <p:cNvSpPr>
-            <a:spLocks noGrp="1"/>
-          </p:cNvSpPr>
-          <p:nvPr>
-            <p:ph type="dt" sz="half" idx="10"/>
-          </p:nvPr>
-        </p:nvSpPr>
-        <p:spPr/>
-        <p:txBody>
-          <a:bodyPr/>
-          <a:lstStyle/>
-          <a:p>
-            <a:fld id="{4587530D-E2B9-450C-95B9-BA02C43D8F93}" type="datetime1">
-              <a:rPr lang="de-DE" smtClean="0"/>
-              <a:t>16.03.2018</a:t>
-            </a:fld>
-            <a:endParaRPr lang="de-CH" dirty="0"/>
-          </a:p>
-        </p:txBody>
-      </p:sp>
-      <p:sp>
-        <p:nvSpPr>
-          <p:cNvPr id="4" name="Fußzeilenplatzhalter 3"/>
-          <p:cNvSpPr>
-            <a:spLocks noGrp="1"/>
-          </p:cNvSpPr>
-          <p:nvPr>
-            <p:ph type="ftr" sz="quarter" idx="11"/>
-          </p:nvPr>
-        </p:nvSpPr>
-        <p:spPr/>
-        <p:txBody>
-          <a:bodyPr/>
-          <a:lstStyle/>
-          <a:p>
-            <a:r>
-              <a:rPr lang="de-CH" smtClean="0"/>
-              <a:t>Varin Buff, Gian-Andrea Heinrich, Björn Joos, Robin Stähli</a:t>
-            </a:r>
-            <a:endParaRPr lang="de-CH" dirty="0"/>
-          </a:p>
-        </p:txBody>
-      </p:sp>
-      <p:sp>
-        <p:nvSpPr>
-          <p:cNvPr id="5" name="Foliennummernplatzhalter 4"/>
-          <p:cNvSpPr>
-            <a:spLocks noGrp="1"/>
-          </p:cNvSpPr>
-          <p:nvPr>
-            <p:ph type="sldNum" sz="quarter" idx="12"/>
-          </p:nvPr>
-        </p:nvSpPr>
-        <p:spPr/>
-        <p:txBody>
-          <a:bodyPr/>
-          <a:lstStyle/>
-          <a:p>
-            <a:fld id="{6C6AE60A-B69C-4790-82F7-3882EDF23186}" type="slidenum">
-              <a:rPr lang="de-CH" smtClean="0"/>
-              <a:t>2</a:t>
             </a:fld>
             <a:endParaRPr lang="de-CH" dirty="0"/>
           </a:p>
@@ -35491,11 +35150,7 @@
             </a:pPr>
             <a:r>
               <a:rPr lang="en-GB" dirty="0" smtClean="0"/>
-              <a:t>M</a:t>
-            </a:r>
-            <a:r>
-              <a:rPr lang="en-GB" dirty="0" smtClean="0"/>
-              <a:t>erging Clusters</a:t>
+              <a:t>Merging Clusters</a:t>
             </a:r>
             <a:endParaRPr lang="en-GB" baseline="30000" dirty="0"/>
           </a:p>
@@ -35576,7 +35231,7 @@
 </p:sld>
 </file>
 
-<file path=ppt/slides/slide3.xml><?xml version="1.0" encoding="utf-8"?>
+<file path=ppt/slides/slide2.xml><?xml version="1.0" encoding="utf-8"?>
 <p:sld xmlns:a="http://schemas.openxmlformats.org/drawingml/2006/main" xmlns:r="http://schemas.openxmlformats.org/officeDocument/2006/relationships" xmlns:p="http://schemas.openxmlformats.org/presentationml/2006/main">
   <p:cSld>
     <p:spTree>
@@ -35681,7 +35336,2130 @@
                   <a:rPr lang="de-CH" dirty="0" smtClean="0"/>
                   <a:t>Solution 1:</a:t>
                 </a:r>
+              </a:p>
+              <a:p>
+                <a:pPr lvl="1"/>
+                <a:r>
+                  <a:rPr lang="de-CH" dirty="0" err="1" smtClean="0"/>
+                  <a:t>keep</a:t>
+                </a:r>
+                <a:r>
+                  <a:rPr lang="de-CH" dirty="0" smtClean="0"/>
+                  <a:t> </a:t>
+                </a:r>
+                <a:r>
+                  <a:rPr lang="de-CH" dirty="0" err="1" smtClean="0"/>
+                  <a:t>image</a:t>
+                </a:r>
+                <a:r>
+                  <a:rPr lang="de-CH" dirty="0" smtClean="0"/>
+                  <a:t> </a:t>
+                </a:r>
+                <a:r>
+                  <a:rPr lang="de-CH" dirty="0" err="1" smtClean="0"/>
+                  <a:t>data</a:t>
+                </a:r>
+                <a:r>
+                  <a:rPr lang="de-CH" dirty="0" smtClean="0"/>
+                  <a:t> </a:t>
+                </a:r>
+                <a:r>
+                  <a:rPr lang="de-CH" dirty="0" err="1" smtClean="0"/>
+                  <a:t>of</a:t>
+                </a:r>
+                <a:r>
+                  <a:rPr lang="de-CH" dirty="0" smtClean="0"/>
+                  <a:t> </a:t>
+                </a:r>
+                <a:r>
+                  <a:rPr lang="de-CH" dirty="0" err="1" smtClean="0"/>
+                  <a:t>clusters</a:t>
+                </a:r>
+                <a:r>
+                  <a:rPr lang="de-CH" dirty="0" smtClean="0"/>
+                  <a:t> </a:t>
+                </a:r>
+                <a:r>
+                  <a:rPr lang="de-CH" dirty="0" err="1"/>
+                  <a:t>that</a:t>
+                </a:r>
+                <a:r>
+                  <a:rPr lang="de-CH" dirty="0"/>
+                  <a:t> </a:t>
+                </a:r>
+                <a:r>
+                  <a:rPr lang="de-CH" dirty="0" err="1"/>
+                  <a:t>have</a:t>
+                </a:r>
+                <a:r>
+                  <a:rPr lang="de-CH" dirty="0"/>
+                  <a:t> </a:t>
+                </a:r>
+                <a:r>
+                  <a:rPr lang="de-CH" dirty="0" err="1"/>
+                  <a:t>size</a:t>
+                </a:r>
+                <a:r>
+                  <a:rPr lang="de-CH" dirty="0"/>
+                  <a:t> </a:t>
+                </a:r>
+                <a:r>
+                  <a:rPr lang="de-CH" dirty="0" err="1"/>
+                  <a:t>less</a:t>
+                </a:r>
+                <a:r>
+                  <a:rPr lang="de-CH" dirty="0"/>
+                  <a:t> </a:t>
+                </a:r>
+                <a:r>
+                  <a:rPr lang="de-CH" dirty="0" err="1" smtClean="0"/>
+                  <a:t>than</a:t>
+                </a:r>
+                <a:r>
+                  <a:rPr lang="de-CH" dirty="0" smtClean="0"/>
+                  <a:t> </a:t>
+                </a:r>
+                <a:r>
+                  <a:rPr lang="de-CH" dirty="0" err="1" smtClean="0"/>
+                  <a:t>critical</a:t>
+                </a:r>
+                <a:r>
+                  <a:rPr lang="de-CH" dirty="0" smtClean="0"/>
+                  <a:t> </a:t>
+                </a:r>
+                <a:r>
+                  <a:rPr lang="de-CH" dirty="0" err="1" smtClean="0"/>
+                  <a:t>cluster</a:t>
+                </a:r>
+                <a:r>
+                  <a:rPr lang="de-CH" dirty="0" smtClean="0"/>
+                  <a:t> </a:t>
+                </a:r>
+                <a:r>
+                  <a:rPr lang="de-CH" dirty="0" err="1" smtClean="0"/>
+                  <a:t>size</a:t>
+                </a:r>
+                <a:r>
+                  <a:rPr lang="de-CH" dirty="0" smtClean="0"/>
+                  <a:t> </a:t>
+                </a:r>
+                <a:r>
+                  <a:rPr lang="de-CH" dirty="0" smtClean="0"/>
+                  <a:t>c</a:t>
+                </a:r>
+                <a:endParaRPr lang="de-CH" dirty="0" smtClean="0">
+                  <a:solidFill>
+                    <a:srgbClr val="FF0000"/>
+                  </a:solidFill>
+                </a:endParaRPr>
+              </a:p>
+              <a:p>
+                <a:pPr lvl="1"/>
+                <a:r>
+                  <a:rPr lang="de-CH" dirty="0" err="1" smtClean="0"/>
+                  <a:t>keep</a:t>
+                </a:r>
+                <a:r>
+                  <a:rPr lang="de-CH" dirty="0" smtClean="0"/>
+                  <a:t> </a:t>
+                </a:r>
+                <a:r>
+                  <a:rPr lang="de-CH" dirty="0" err="1" smtClean="0"/>
+                  <a:t>only</a:t>
+                </a:r>
+                <a:r>
+                  <a:rPr lang="de-CH" dirty="0" smtClean="0"/>
+                  <a:t> </a:t>
+                </a:r>
+                <a:r>
+                  <a:rPr lang="de-CH" dirty="0" err="1" smtClean="0"/>
+                  <a:t>image</a:t>
+                </a:r>
+                <a:r>
+                  <a:rPr lang="de-CH" dirty="0" smtClean="0"/>
+                  <a:t> </a:t>
+                </a:r>
+                <a:r>
+                  <a:rPr lang="de-CH" dirty="0" err="1" smtClean="0"/>
+                  <a:t>data</a:t>
+                </a:r>
+                <a:r>
+                  <a:rPr lang="de-CH" dirty="0" smtClean="0"/>
+                  <a:t> </a:t>
+                </a:r>
+                <a:r>
+                  <a:rPr lang="de-CH" dirty="0" err="1" smtClean="0"/>
+                  <a:t>of</a:t>
+                </a:r>
+                <a:r>
+                  <a:rPr lang="de-CH" dirty="0" smtClean="0"/>
+                  <a:t> </a:t>
+                </a:r>
+                <a:r>
+                  <a:rPr lang="de-CH" dirty="0" err="1" smtClean="0"/>
+                  <a:t>iconic</a:t>
+                </a:r>
+                <a:r>
+                  <a:rPr lang="de-CH" dirty="0" smtClean="0"/>
+                  <a:t> </a:t>
+                </a:r>
+                <a:r>
+                  <a:rPr lang="de-CH" dirty="0" err="1" smtClean="0"/>
+                  <a:t>pictures</a:t>
+                </a:r>
+                <a:r>
+                  <a:rPr lang="de-CH" dirty="0" smtClean="0"/>
+                  <a:t> </a:t>
+                </a:r>
+                <a:r>
+                  <a:rPr lang="de-CH" dirty="0" err="1" smtClean="0"/>
+                  <a:t>of</a:t>
+                </a:r>
+                <a:r>
+                  <a:rPr lang="de-CH" dirty="0" smtClean="0"/>
+                  <a:t> </a:t>
+                </a:r>
+                <a:r>
+                  <a:rPr lang="de-CH" dirty="0" err="1" smtClean="0"/>
+                  <a:t>cluster</a:t>
+                </a:r>
+                <a:r>
+                  <a:rPr lang="de-CH" dirty="0" smtClean="0"/>
+                  <a:t> </a:t>
+                </a:r>
+                <a:r>
+                  <a:rPr lang="de-CH" dirty="0" err="1" smtClean="0"/>
+                  <a:t>size</a:t>
+                </a:r>
+                <a:r>
+                  <a:rPr lang="de-CH" dirty="0" smtClean="0"/>
+                  <a:t> larger </a:t>
+                </a:r>
+                <a:r>
+                  <a:rPr lang="de-CH" dirty="0" err="1" smtClean="0"/>
+                  <a:t>than</a:t>
+                </a:r>
+                <a:r>
+                  <a:rPr lang="de-CH" dirty="0" smtClean="0"/>
+                  <a:t> c in </a:t>
+                </a:r>
+                <a:r>
+                  <a:rPr lang="de-CH" dirty="0" err="1" smtClean="0"/>
+                  <a:t>memory</a:t>
+                </a:r>
+                <a:r>
+                  <a:rPr lang="de-CH" dirty="0" smtClean="0"/>
+                  <a:t>, </a:t>
+                </a:r>
+                <a:r>
+                  <a:rPr lang="de-CH" dirty="0" err="1" smtClean="0"/>
+                  <a:t>discard</a:t>
+                </a:r>
+                <a:r>
+                  <a:rPr lang="de-CH" dirty="0" smtClean="0"/>
+                  <a:t> </a:t>
+                </a:r>
+                <a:r>
+                  <a:rPr lang="de-CH" dirty="0" err="1" smtClean="0"/>
+                  <a:t>the</a:t>
+                </a:r>
+                <a:r>
+                  <a:rPr lang="de-CH" dirty="0"/>
+                  <a:t> </a:t>
+                </a:r>
+                <a:r>
+                  <a:rPr lang="de-CH" dirty="0" err="1" smtClean="0"/>
+                  <a:t>other</a:t>
+                </a:r>
+                <a:r>
+                  <a:rPr lang="de-CH" dirty="0" smtClean="0"/>
+                  <a:t> </a:t>
+                </a:r>
+                <a:r>
+                  <a:rPr lang="de-CH" dirty="0" err="1" smtClean="0"/>
+                  <a:t>image</a:t>
+                </a:r>
+                <a:r>
+                  <a:rPr lang="de-CH" dirty="0" smtClean="0"/>
+                  <a:t> </a:t>
+                </a:r>
+                <a:r>
+                  <a:rPr lang="de-CH" dirty="0" err="1" smtClean="0"/>
+                  <a:t>data</a:t>
+                </a:r>
+                <a:endParaRPr lang="de-CH" dirty="0"/>
+              </a:p>
+              <a:p>
                 <a:endParaRPr lang="de-CH" dirty="0" smtClean="0"/>
+              </a:p>
+              <a:p>
+                <a:r>
+                  <a:rPr lang="de-CH" dirty="0" smtClean="0"/>
+                  <a:t>Solution 2: Set a </a:t>
+                </a:r>
+                <a:r>
+                  <a:rPr lang="de-CH" dirty="0" err="1" smtClean="0"/>
+                  <a:t>minimum</a:t>
+                </a:r>
+                <a:r>
+                  <a:rPr lang="de-CH" dirty="0" smtClean="0"/>
+                  <a:t> </a:t>
+                </a:r>
+                <a:r>
+                  <a:rPr lang="de-CH" dirty="0" err="1" smtClean="0"/>
+                  <a:t>learning</a:t>
+                </a:r>
+                <a:r>
+                  <a:rPr lang="de-CH" dirty="0" smtClean="0"/>
+                  <a:t> rate </a:t>
+                </a:r>
+                <a:r>
+                  <a:rPr lang="de-CH" dirty="0" err="1" smtClean="0"/>
+                  <a:t>for</a:t>
+                </a:r>
+                <a:r>
+                  <a:rPr lang="de-CH" dirty="0" smtClean="0"/>
+                  <a:t> </a:t>
+                </a:r>
+                <a:r>
+                  <a:rPr lang="de-CH" dirty="0" err="1" smtClean="0"/>
+                  <a:t>each</a:t>
+                </a:r>
+                <a:r>
+                  <a:rPr lang="de-CH" dirty="0" smtClean="0"/>
+                  <a:t> </a:t>
+                </a:r>
+                <a:r>
+                  <a:rPr lang="de-CH" dirty="0" err="1" smtClean="0"/>
+                  <a:t>cluster</a:t>
+                </a:r>
+                <a:r>
+                  <a:rPr lang="de-CH" dirty="0" smtClean="0"/>
+                  <a:t>:</a:t>
+                </a:r>
+              </a:p>
+              <a:p>
+                <a:pPr lvl="1"/>
+                <a:r>
+                  <a:rPr lang="de-CH" dirty="0" smtClean="0"/>
+                  <a:t>	</a:t>
+                </a:r>
+                <a14:m>
+                  <m:oMath xmlns:m="http://schemas.openxmlformats.org/officeDocument/2006/math">
+                    <m:f>
+                      <m:fPr>
+                        <m:ctrlPr>
+                          <a:rPr lang="de-CH" sz="3600" b="0" i="1" smtClean="0">
+                            <a:latin typeface="Cambria Math"/>
+                          </a:rPr>
+                        </m:ctrlPr>
+                      </m:fPr>
+                      <m:num>
+                        <m:r>
+                          <a:rPr lang="de-CH" sz="3600" b="0" i="1" smtClean="0">
+                            <a:latin typeface="Cambria Math"/>
+                          </a:rPr>
+                          <m:t>𝑚</m:t>
+                        </m:r>
+                      </m:num>
+                      <m:den>
+                        <m:r>
+                          <a:rPr lang="de-CH" sz="3600" b="0" i="1" smtClean="0">
+                            <a:latin typeface="Cambria Math"/>
+                          </a:rPr>
+                          <m:t>𝑝</m:t>
+                        </m:r>
+                      </m:den>
+                    </m:f>
+                    <m:r>
+                      <a:rPr lang="de-CH" sz="3600" b="0" i="1" smtClean="0">
+                        <a:latin typeface="Cambria Math"/>
+                      </a:rPr>
+                      <m:t>≥</m:t>
+                    </m:r>
+                    <m:f>
+                      <m:fPr>
+                        <m:ctrlPr>
+                          <a:rPr lang="de-CH" sz="3600" b="0" i="1" smtClean="0">
+                            <a:latin typeface="Cambria Math"/>
+                          </a:rPr>
+                        </m:ctrlPr>
+                      </m:fPr>
+                      <m:num>
+                        <m:r>
+                          <a:rPr lang="de-CH" sz="3600" b="0" i="1" smtClean="0">
+                            <a:latin typeface="Cambria Math"/>
+                          </a:rPr>
+                          <m:t>1</m:t>
+                        </m:r>
+                      </m:num>
+                      <m:den>
+                        <m:r>
+                          <a:rPr lang="de-CH" sz="3600" b="0" i="1" smtClean="0">
+                            <a:latin typeface="Cambria Math"/>
+                          </a:rPr>
+                          <m:t>𝑑</m:t>
+                        </m:r>
+                      </m:den>
+                    </m:f>
+                  </m:oMath>
+                </a14:m>
+                <a:endParaRPr lang="de-CH" sz="3600" b="0" dirty="0" smtClean="0"/>
+              </a:p>
+              <a:p>
+                <a:pPr marL="361950" lvl="1" indent="0">
+                  <a:buNone/>
+                </a:pPr>
+                <a:r>
+                  <a:rPr lang="de-CH" dirty="0"/>
+                  <a:t> </a:t>
+                </a:r>
+                <a:r>
+                  <a:rPr lang="de-CH" b="0" dirty="0" smtClean="0"/>
+                  <a:t>m = #</a:t>
+                </a:r>
+                <a:r>
+                  <a:rPr lang="de-CH" b="0" dirty="0" err="1" smtClean="0"/>
+                  <a:t>images</a:t>
+                </a:r>
+                <a:r>
+                  <a:rPr lang="de-CH" b="0" dirty="0" smtClean="0"/>
+                  <a:t> in Cluster, p = #</a:t>
+                </a:r>
+                <a:r>
+                  <a:rPr lang="de-CH" b="0" dirty="0" err="1" smtClean="0"/>
+                  <a:t>processed</a:t>
+                </a:r>
+                <a:r>
+                  <a:rPr lang="de-CH" b="0" dirty="0" smtClean="0"/>
+                  <a:t> </a:t>
+                </a:r>
+                <a:r>
+                  <a:rPr lang="de-CH" b="0" dirty="0" err="1" smtClean="0"/>
+                  <a:t>images</a:t>
+                </a:r>
+                <a:r>
+                  <a:rPr lang="de-CH" b="0" dirty="0" smtClean="0"/>
+                  <a:t> </a:t>
+                </a:r>
+                <a:r>
+                  <a:rPr lang="de-CH" b="0" dirty="0" err="1" smtClean="0"/>
+                  <a:t>since</a:t>
+                </a:r>
+                <a:r>
+                  <a:rPr lang="de-CH" b="0" dirty="0" smtClean="0"/>
+                  <a:t> </a:t>
+                </a:r>
+                <a:r>
+                  <a:rPr lang="de-CH" b="0" dirty="0" err="1" smtClean="0"/>
+                  <a:t>cluster</a:t>
+                </a:r>
+                <a:r>
+                  <a:rPr lang="de-CH" b="0" dirty="0" smtClean="0"/>
+                  <a:t> </a:t>
+                </a:r>
+                <a:r>
+                  <a:rPr lang="de-CH" b="0" dirty="0" err="1" smtClean="0"/>
+                  <a:t>creation</a:t>
+                </a:r>
+                <a:r>
+                  <a:rPr lang="de-CH" b="0" dirty="0" smtClean="0"/>
+                  <a:t>,   d = </a:t>
+                </a:r>
+                <a:r>
+                  <a:rPr lang="de-CH" b="0" dirty="0" err="1" smtClean="0"/>
+                  <a:t>growth</a:t>
+                </a:r>
+                <a:r>
+                  <a:rPr lang="de-CH" b="0" dirty="0" smtClean="0"/>
+                  <a:t> </a:t>
+                </a:r>
+                <a:r>
+                  <a:rPr lang="de-CH" b="0" dirty="0" err="1" smtClean="0"/>
+                  <a:t>parameter</a:t>
+                </a:r>
+                <a:endParaRPr lang="de-CH" b="0" dirty="0" smtClean="0"/>
+              </a:p>
+            </p:txBody>
+          </p:sp>
+        </mc:Choice>
+        <mc:Fallback>
+          <p:sp>
+            <p:nvSpPr>
+              <p:cNvPr id="8" name="Inhaltsplatzhalter 7"/>
+              <p:cNvSpPr>
+                <a:spLocks noGrp="1" noRot="1" noChangeAspect="1" noMove="1" noResize="1" noEditPoints="1" noAdjustHandles="1" noChangeArrowheads="1" noChangeShapeType="1" noTextEdit="1"/>
+              </p:cNvSpPr>
+              <p:nvPr>
+                <p:ph idx="1"/>
+              </p:nvPr>
+            </p:nvSpPr>
+            <p:spPr>
+              <a:xfrm>
+                <a:off x="323850" y="1533784"/>
+                <a:ext cx="11537950" cy="4210046"/>
+              </a:xfrm>
+              <a:blipFill rotWithShape="1">
+                <a:blip r:embed="rId2"/>
+                <a:stretch>
+                  <a:fillRect l="-264" t="-2174" b="-6957"/>
+                </a:stretch>
+              </a:blipFill>
+            </p:spPr>
+            <p:txBody>
+              <a:bodyPr/>
+              <a:lstStyle/>
+              <a:p>
+                <a:r>
+                  <a:rPr lang="de-CH">
+                    <a:noFill/>
+                  </a:rPr>
+                  <a:t> </a:t>
+                </a:r>
+              </a:p>
+            </p:txBody>
+          </p:sp>
+        </mc:Fallback>
+      </mc:AlternateContent>
+      <p:sp>
+        <p:nvSpPr>
+          <p:cNvPr id="2" name="Datumsplatzhalter 1"/>
+          <p:cNvSpPr>
+            <a:spLocks noGrp="1"/>
+          </p:cNvSpPr>
+          <p:nvPr>
+            <p:ph type="dt" sz="half" idx="10"/>
+          </p:nvPr>
+        </p:nvSpPr>
+        <p:spPr/>
+        <p:txBody>
+          <a:bodyPr/>
+          <a:lstStyle/>
+          <a:p>
+            <a:fld id="{D7D23431-3A84-4A29-ADE9-6688760CEB46}" type="datetime1">
+              <a:rPr lang="de-DE" smtClean="0"/>
+              <a:t>16.03.2018</a:t>
+            </a:fld>
+            <a:endParaRPr lang="de-CH" dirty="0"/>
+          </a:p>
+        </p:txBody>
+      </p:sp>
+      <p:sp>
+        <p:nvSpPr>
+          <p:cNvPr id="3" name="Fußzeilenplatzhalter 2"/>
+          <p:cNvSpPr>
+            <a:spLocks noGrp="1"/>
+          </p:cNvSpPr>
+          <p:nvPr>
+            <p:ph type="ftr" sz="quarter" idx="11"/>
+          </p:nvPr>
+        </p:nvSpPr>
+        <p:spPr/>
+        <p:txBody>
+          <a:bodyPr/>
+          <a:lstStyle/>
+          <a:p>
+            <a:r>
+              <a:rPr lang="de-CH" smtClean="0"/>
+              <a:t>Varin Buff, Gian-Andrea Heinrich, Björn Joos, Robin Stähli</a:t>
+            </a:r>
+            <a:endParaRPr lang="de-CH" dirty="0"/>
+          </a:p>
+        </p:txBody>
+      </p:sp>
+      <p:sp>
+        <p:nvSpPr>
+          <p:cNvPr id="4" name="Foliennummernplatzhalter 3"/>
+          <p:cNvSpPr>
+            <a:spLocks noGrp="1"/>
+          </p:cNvSpPr>
+          <p:nvPr>
+            <p:ph type="sldNum" sz="quarter" idx="12"/>
+          </p:nvPr>
+        </p:nvSpPr>
+        <p:spPr/>
+        <p:txBody>
+          <a:bodyPr/>
+          <a:lstStyle/>
+          <a:p>
+            <a:fld id="{6C6AE60A-B69C-4790-82F7-3882EDF23186}" type="slidenum">
+              <a:rPr lang="de-CH" smtClean="0"/>
+              <a:t>2</a:t>
+            </a:fld>
+            <a:endParaRPr lang="de-CH" dirty="0"/>
+          </a:p>
+        </p:txBody>
+      </p:sp>
+      <p:sp>
+        <p:nvSpPr>
+          <p:cNvPr id="5" name="Titel 4"/>
+          <p:cNvSpPr>
+            <a:spLocks noGrp="1"/>
+          </p:cNvSpPr>
+          <p:nvPr>
+            <p:ph type="title"/>
+          </p:nvPr>
+        </p:nvSpPr>
+        <p:spPr>
+          <a:xfrm>
+            <a:off x="323850" y="620714"/>
+            <a:ext cx="11537950" cy="864016"/>
+          </a:xfrm>
+        </p:spPr>
+        <p:txBody>
+          <a:bodyPr/>
+          <a:lstStyle/>
+          <a:p>
+            <a:r>
+              <a:rPr lang="de-CH" dirty="0" smtClean="0"/>
+              <a:t>Data Management</a:t>
+            </a:r>
+            <a:endParaRPr lang="de-CH" dirty="0"/>
+          </a:p>
+        </p:txBody>
+      </p:sp>
+    </p:spTree>
+    <p:extLst>
+      <p:ext uri="{BB962C8B-B14F-4D97-AF65-F5344CB8AC3E}">
+        <p14:creationId xmlns:p14="http://schemas.microsoft.com/office/powerpoint/2010/main" val="508435612"/>
+      </p:ext>
+    </p:extLst>
+  </p:cSld>
+  <p:clrMapOvr>
+    <a:masterClrMapping/>
+  </p:clrMapOvr>
+  <p:transition>
+    <p:fade/>
+  </p:transition>
+  <p:timing>
+    <p:tnLst>
+      <p:par>
+        <p:cTn id="1" dur="indefinite" restart="never" nodeType="tmRoot"/>
+      </p:par>
+    </p:tnLst>
+  </p:timing>
+</p:sld>
+</file>
+
+<file path=ppt/slides/slide3.xml><?xml version="1.0" encoding="utf-8"?>
+<p:sld xmlns:a="http://schemas.openxmlformats.org/drawingml/2006/main" xmlns:r="http://schemas.openxmlformats.org/officeDocument/2006/relationships" xmlns:p="http://schemas.openxmlformats.org/presentationml/2006/main">
+  <p:cSld>
+    <p:spTree>
+      <p:nvGrpSpPr>
+        <p:cNvPr id="1" name=""/>
+        <p:cNvGrpSpPr/>
+        <p:nvPr/>
+      </p:nvGrpSpPr>
+      <p:grpSpPr>
+        <a:xfrm>
+          <a:off x="0" y="0"/>
+          <a:ext cx="0" cy="0"/>
+          <a:chOff x="0" y="0"/>
+          <a:chExt cx="0" cy="0"/>
+        </a:xfrm>
+      </p:grpSpPr>
+      <p:sp>
+        <p:nvSpPr>
+          <p:cNvPr id="4" name="Datumsplatzhalter 3"/>
+          <p:cNvSpPr>
+            <a:spLocks noGrp="1"/>
+          </p:cNvSpPr>
+          <p:nvPr>
+            <p:ph type="dt" sz="half" idx="10"/>
+          </p:nvPr>
+        </p:nvSpPr>
+        <p:spPr/>
+        <p:txBody>
+          <a:bodyPr/>
+          <a:lstStyle/>
+          <a:p>
+            <a:fld id="{D90BDADD-4382-4B9C-852B-753AD3BC3C41}" type="datetime1">
+              <a:rPr lang="de-DE" smtClean="0"/>
+              <a:t>16.03.2018</a:t>
+            </a:fld>
+            <a:endParaRPr lang="de-CH" dirty="0"/>
+          </a:p>
+        </p:txBody>
+      </p:sp>
+      <p:sp>
+        <p:nvSpPr>
+          <p:cNvPr id="5" name="Fußzeilenplatzhalter 4"/>
+          <p:cNvSpPr>
+            <a:spLocks noGrp="1"/>
+          </p:cNvSpPr>
+          <p:nvPr>
+            <p:ph type="ftr" sz="quarter" idx="11"/>
+          </p:nvPr>
+        </p:nvSpPr>
+        <p:spPr/>
+        <p:txBody>
+          <a:bodyPr/>
+          <a:lstStyle/>
+          <a:p>
+            <a:r>
+              <a:rPr lang="de-CH" smtClean="0"/>
+              <a:t>Varin Buff, Gian-Andrea Heinrich, Björn Joos, Robin Stähli</a:t>
+            </a:r>
+            <a:endParaRPr lang="de-CH" dirty="0"/>
+          </a:p>
+        </p:txBody>
+      </p:sp>
+      <p:sp>
+        <p:nvSpPr>
+          <p:cNvPr id="6" name="Foliennummernplatzhalter 5"/>
+          <p:cNvSpPr>
+            <a:spLocks noGrp="1"/>
+          </p:cNvSpPr>
+          <p:nvPr>
+            <p:ph type="sldNum" sz="quarter" idx="12"/>
+          </p:nvPr>
+        </p:nvSpPr>
+        <p:spPr/>
+        <p:txBody>
+          <a:bodyPr/>
+          <a:lstStyle/>
+          <a:p>
+            <a:fld id="{6C6AE60A-B69C-4790-82F7-3882EDF23186}" type="slidenum">
+              <a:rPr lang="de-CH" smtClean="0"/>
+              <a:t>3</a:t>
+            </a:fld>
+            <a:endParaRPr lang="de-CH" dirty="0"/>
+          </a:p>
+        </p:txBody>
+      </p:sp>
+      <p:sp>
+        <p:nvSpPr>
+          <p:cNvPr id="7" name="Titel 6"/>
+          <p:cNvSpPr>
+            <a:spLocks noGrp="1"/>
+          </p:cNvSpPr>
+          <p:nvPr>
+            <p:ph type="title"/>
+          </p:nvPr>
+        </p:nvSpPr>
+        <p:spPr/>
+        <p:txBody>
+          <a:bodyPr/>
+          <a:lstStyle/>
+          <a:p>
+            <a:r>
+              <a:rPr lang="de-CH" dirty="0" err="1"/>
+              <a:t>Structure</a:t>
+            </a:r>
+            <a:r>
+              <a:rPr lang="de-CH" dirty="0"/>
+              <a:t> </a:t>
+            </a:r>
+            <a:r>
+              <a:rPr lang="de-CH" dirty="0" err="1"/>
+              <a:t>From</a:t>
+            </a:r>
+            <a:r>
+              <a:rPr lang="de-CH" dirty="0"/>
+              <a:t> Motion (</a:t>
+            </a:r>
+            <a:r>
+              <a:rPr lang="de-CH" dirty="0" err="1"/>
+              <a:t>SfM</a:t>
+            </a:r>
+            <a:r>
+              <a:rPr lang="de-CH" dirty="0" smtClean="0"/>
+              <a:t>)</a:t>
+            </a:r>
+            <a:endParaRPr lang="de-CH" dirty="0"/>
+          </a:p>
+        </p:txBody>
+      </p:sp>
+      <p:sp>
+        <p:nvSpPr>
+          <p:cNvPr id="12" name="Rechteck 11"/>
+          <p:cNvSpPr/>
+          <p:nvPr/>
+        </p:nvSpPr>
+        <p:spPr>
+          <a:xfrm>
+            <a:off x="3933319" y="1902131"/>
+            <a:ext cx="1872260" cy="1084299"/>
+          </a:xfrm>
+          <a:prstGeom prst="rect">
+            <a:avLst/>
+          </a:prstGeom>
+          <a:ln/>
+        </p:spPr>
+        <p:style>
+          <a:lnRef idx="2">
+            <a:schemeClr val="dk1"/>
+          </a:lnRef>
+          <a:fillRef idx="1">
+            <a:schemeClr val="lt1"/>
+          </a:fillRef>
+          <a:effectRef idx="0">
+            <a:schemeClr val="dk1"/>
+          </a:effectRef>
+          <a:fontRef idx="minor">
+            <a:schemeClr val="dk1"/>
+          </a:fontRef>
+        </p:style>
+        <p:txBody>
+          <a:bodyPr rtlCol="0" anchor="ctr"/>
+          <a:lstStyle/>
+          <a:p>
+            <a:pPr algn="ctr"/>
+            <a:r>
+              <a:rPr lang="de-CH" dirty="0" smtClean="0">
+                <a:solidFill>
+                  <a:schemeClr val="tx1"/>
+                </a:solidFill>
+              </a:rPr>
+              <a:t>Search </a:t>
+            </a:r>
+            <a:r>
+              <a:rPr lang="de-CH" dirty="0" err="1" smtClean="0">
+                <a:solidFill>
+                  <a:schemeClr val="tx1"/>
+                </a:solidFill>
+              </a:rPr>
+              <a:t>for</a:t>
+            </a:r>
+            <a:r>
+              <a:rPr lang="de-CH" dirty="0" smtClean="0">
+                <a:solidFill>
+                  <a:schemeClr val="tx1"/>
+                </a:solidFill>
+              </a:rPr>
+              <a:t> </a:t>
+            </a:r>
+            <a:r>
+              <a:rPr lang="de-CH" dirty="0" err="1" smtClean="0">
+                <a:solidFill>
+                  <a:schemeClr val="tx1"/>
+                </a:solidFill>
+              </a:rPr>
+              <a:t>connections</a:t>
+            </a:r>
+            <a:endParaRPr lang="de-CH" dirty="0">
+              <a:solidFill>
+                <a:schemeClr val="tx1"/>
+              </a:solidFill>
+            </a:endParaRPr>
+          </a:p>
+        </p:txBody>
+      </p:sp>
+      <p:sp>
+        <p:nvSpPr>
+          <p:cNvPr id="13" name="Rechteck 12"/>
+          <p:cNvSpPr/>
+          <p:nvPr/>
+        </p:nvSpPr>
+        <p:spPr>
+          <a:xfrm>
+            <a:off x="3933319" y="4077090"/>
+            <a:ext cx="1872260" cy="1084299"/>
+          </a:xfrm>
+          <a:prstGeom prst="rect">
+            <a:avLst/>
+          </a:prstGeom>
+          <a:ln/>
+        </p:spPr>
+        <p:style>
+          <a:lnRef idx="2">
+            <a:schemeClr val="dk1"/>
+          </a:lnRef>
+          <a:fillRef idx="1">
+            <a:schemeClr val="lt1"/>
+          </a:fillRef>
+          <a:effectRef idx="0">
+            <a:schemeClr val="dk1"/>
+          </a:effectRef>
+          <a:fontRef idx="minor">
+            <a:schemeClr val="dk1"/>
+          </a:fontRef>
+        </p:style>
+        <p:txBody>
+          <a:bodyPr rtlCol="0" anchor="ctr"/>
+          <a:lstStyle/>
+          <a:p>
+            <a:pPr algn="ctr"/>
+            <a:r>
+              <a:rPr lang="de-CH" dirty="0" err="1">
+                <a:solidFill>
+                  <a:schemeClr val="tx1"/>
+                </a:solidFill>
+              </a:rPr>
+              <a:t>s</a:t>
+            </a:r>
+            <a:r>
+              <a:rPr lang="de-CH" dirty="0" err="1" smtClean="0">
+                <a:solidFill>
+                  <a:schemeClr val="tx1"/>
+                </a:solidFill>
+              </a:rPr>
+              <a:t>earch</a:t>
+            </a:r>
+            <a:r>
+              <a:rPr lang="de-CH" dirty="0" smtClean="0">
+                <a:solidFill>
+                  <a:schemeClr val="tx1"/>
+                </a:solidFill>
+              </a:rPr>
+              <a:t> </a:t>
+            </a:r>
+            <a:r>
+              <a:rPr lang="de-CH" dirty="0" err="1" smtClean="0">
+                <a:solidFill>
+                  <a:schemeClr val="tx1"/>
+                </a:solidFill>
+              </a:rPr>
+              <a:t>for</a:t>
+            </a:r>
+            <a:r>
+              <a:rPr lang="de-CH" dirty="0" smtClean="0">
+                <a:solidFill>
+                  <a:schemeClr val="tx1"/>
+                </a:solidFill>
+              </a:rPr>
+              <a:t> </a:t>
+            </a:r>
+            <a:r>
+              <a:rPr lang="de-CH" dirty="0" err="1" smtClean="0">
+                <a:solidFill>
+                  <a:schemeClr val="tx1"/>
+                </a:solidFill>
+              </a:rPr>
+              <a:t>connections</a:t>
+            </a:r>
+            <a:endParaRPr lang="de-CH" dirty="0">
+              <a:solidFill>
+                <a:schemeClr val="tx1"/>
+              </a:solidFill>
+            </a:endParaRPr>
+          </a:p>
+        </p:txBody>
+      </p:sp>
+      <p:sp>
+        <p:nvSpPr>
+          <p:cNvPr id="15" name="Rechteck 14"/>
+          <p:cNvSpPr/>
+          <p:nvPr/>
+        </p:nvSpPr>
+        <p:spPr>
+          <a:xfrm>
+            <a:off x="9694119" y="2996940"/>
+            <a:ext cx="2232310" cy="1084299"/>
+          </a:xfrm>
+          <a:prstGeom prst="rect">
+            <a:avLst/>
+          </a:prstGeom>
+          <a:ln/>
+        </p:spPr>
+        <p:style>
+          <a:lnRef idx="2">
+            <a:schemeClr val="dk1"/>
+          </a:lnRef>
+          <a:fillRef idx="1">
+            <a:schemeClr val="lt1"/>
+          </a:fillRef>
+          <a:effectRef idx="0">
+            <a:schemeClr val="dk1"/>
+          </a:effectRef>
+          <a:fontRef idx="minor">
+            <a:schemeClr val="dk1"/>
+          </a:fontRef>
+        </p:style>
+        <p:txBody>
+          <a:bodyPr rtlCol="0" anchor="ctr"/>
+          <a:lstStyle/>
+          <a:p>
+            <a:pPr algn="ctr"/>
+            <a:r>
+              <a:rPr lang="de-CH" dirty="0" smtClean="0">
+                <a:solidFill>
+                  <a:schemeClr val="tx1"/>
+                </a:solidFill>
+              </a:rPr>
+              <a:t>Register </a:t>
+            </a:r>
+            <a:r>
+              <a:rPr lang="de-CH" dirty="0" err="1" smtClean="0">
+                <a:solidFill>
+                  <a:schemeClr val="tx1"/>
+                </a:solidFill>
+              </a:rPr>
+              <a:t>remaining</a:t>
+            </a:r>
+            <a:r>
+              <a:rPr lang="de-CH" dirty="0" smtClean="0">
+                <a:solidFill>
+                  <a:schemeClr val="tx1"/>
+                </a:solidFill>
+              </a:rPr>
+              <a:t> </a:t>
+            </a:r>
+            <a:r>
+              <a:rPr lang="de-CH" dirty="0" err="1" smtClean="0">
+                <a:solidFill>
+                  <a:schemeClr val="tx1"/>
+                </a:solidFill>
+              </a:rPr>
+              <a:t>connecting</a:t>
+            </a:r>
+            <a:r>
+              <a:rPr lang="de-CH" dirty="0" smtClean="0">
+                <a:solidFill>
+                  <a:schemeClr val="tx1"/>
+                </a:solidFill>
+              </a:rPr>
+              <a:t>  </a:t>
+            </a:r>
+            <a:r>
+              <a:rPr lang="de-CH" dirty="0" err="1" smtClean="0">
+                <a:solidFill>
+                  <a:schemeClr val="tx1"/>
+                </a:solidFill>
+              </a:rPr>
+              <a:t>images</a:t>
+            </a:r>
+            <a:r>
+              <a:rPr lang="de-CH" dirty="0" smtClean="0">
+                <a:solidFill>
+                  <a:schemeClr val="tx1"/>
+                </a:solidFill>
+              </a:rPr>
+              <a:t> </a:t>
+            </a:r>
+            <a:r>
+              <a:rPr lang="de-CH" dirty="0" err="1" smtClean="0">
+                <a:solidFill>
+                  <a:schemeClr val="tx1"/>
+                </a:solidFill>
+              </a:rPr>
+              <a:t>with</a:t>
+            </a:r>
+            <a:r>
+              <a:rPr lang="de-CH" dirty="0" smtClean="0">
+                <a:solidFill>
+                  <a:schemeClr val="tx1"/>
+                </a:solidFill>
+              </a:rPr>
+              <a:t> P3P</a:t>
+            </a:r>
+            <a:endParaRPr lang="de-CH" dirty="0">
+              <a:solidFill>
+                <a:schemeClr val="tx1"/>
+              </a:solidFill>
+            </a:endParaRPr>
+          </a:p>
+        </p:txBody>
+      </p:sp>
+      <p:sp>
+        <p:nvSpPr>
+          <p:cNvPr id="16" name="Zylinder 15">
+            <a:extLst>
+              <a:ext uri="{FF2B5EF4-FFF2-40B4-BE49-F238E27FC236}">
+                <a16:creationId xmlns="" xmlns:a16="http://schemas.microsoft.com/office/drawing/2014/main" id="{ADBCEDE9-249B-4697-BC7E-EFC1CC83C913}"/>
+              </a:ext>
+            </a:extLst>
+          </p:cNvPr>
+          <p:cNvSpPr/>
+          <p:nvPr/>
+        </p:nvSpPr>
+        <p:spPr>
+          <a:xfrm>
+            <a:off x="1268949" y="1772770"/>
+            <a:ext cx="993388" cy="1314497"/>
+          </a:xfrm>
+          <a:prstGeom prst="can">
+            <a:avLst/>
+          </a:prstGeom>
+          <a:noFill/>
+          <a:ln w="38100">
+            <a:solidFill>
+              <a:srgbClr val="0070C0"/>
+            </a:solidFill>
+          </a:ln>
+        </p:spPr>
+        <p:style>
+          <a:lnRef idx="2">
+            <a:schemeClr val="accent1">
+              <a:shade val="50000"/>
+            </a:schemeClr>
+          </a:lnRef>
+          <a:fillRef idx="1">
+            <a:schemeClr val="accent1"/>
+          </a:fillRef>
+          <a:effectRef idx="0">
+            <a:schemeClr val="accent1"/>
+          </a:effectRef>
+          <a:fontRef idx="minor">
+            <a:schemeClr val="lt1"/>
+          </a:fontRef>
+        </p:style>
+        <p:txBody>
+          <a:bodyPr rtlCol="0" anchor="ctr"/>
+          <a:lstStyle/>
+          <a:p>
+            <a:pPr algn="ctr"/>
+            <a:endParaRPr lang="de-CH"/>
+          </a:p>
+        </p:txBody>
+      </p:sp>
+      <p:sp>
+        <p:nvSpPr>
+          <p:cNvPr id="17" name="Zylinder 16">
+            <a:extLst>
+              <a:ext uri="{FF2B5EF4-FFF2-40B4-BE49-F238E27FC236}">
+                <a16:creationId xmlns="" xmlns:a16="http://schemas.microsoft.com/office/drawing/2014/main" id="{ADBCEDE9-249B-4697-BC7E-EFC1CC83C913}"/>
+              </a:ext>
+            </a:extLst>
+          </p:cNvPr>
+          <p:cNvSpPr/>
+          <p:nvPr/>
+        </p:nvSpPr>
+        <p:spPr>
+          <a:xfrm>
+            <a:off x="1283701" y="3933070"/>
+            <a:ext cx="993388" cy="1314497"/>
+          </a:xfrm>
+          <a:prstGeom prst="can">
+            <a:avLst/>
+          </a:prstGeom>
+          <a:noFill/>
+          <a:ln w="38100">
+            <a:solidFill>
+              <a:srgbClr val="0070C0"/>
+            </a:solidFill>
+          </a:ln>
+        </p:spPr>
+        <p:style>
+          <a:lnRef idx="2">
+            <a:schemeClr val="accent1">
+              <a:shade val="50000"/>
+            </a:schemeClr>
+          </a:lnRef>
+          <a:fillRef idx="1">
+            <a:schemeClr val="accent1"/>
+          </a:fillRef>
+          <a:effectRef idx="0">
+            <a:schemeClr val="accent1"/>
+          </a:effectRef>
+          <a:fontRef idx="minor">
+            <a:schemeClr val="lt1"/>
+          </a:fontRef>
+        </p:style>
+        <p:txBody>
+          <a:bodyPr rtlCol="0" anchor="ctr"/>
+          <a:lstStyle/>
+          <a:p>
+            <a:pPr algn="ctr"/>
+            <a:endParaRPr lang="de-CH"/>
+          </a:p>
+        </p:txBody>
+      </p:sp>
+      <p:sp>
+        <p:nvSpPr>
+          <p:cNvPr id="18" name="Inhaltsplatzhalter 5"/>
+          <p:cNvSpPr>
+            <a:spLocks noGrp="1"/>
+          </p:cNvSpPr>
+          <p:nvPr>
+            <p:ph sz="half" idx="1"/>
+          </p:nvPr>
+        </p:nvSpPr>
+        <p:spPr>
+          <a:xfrm>
+            <a:off x="764879" y="3224814"/>
+            <a:ext cx="1944270" cy="420216"/>
+          </a:xfrm>
+        </p:spPr>
+        <p:txBody>
+          <a:bodyPr/>
+          <a:lstStyle/>
+          <a:p>
+            <a:pPr marL="0" indent="0" algn="ctr">
+              <a:buNone/>
+            </a:pPr>
+            <a:r>
+              <a:rPr lang="de-CH" dirty="0" err="1"/>
+              <a:t>i</a:t>
+            </a:r>
+            <a:r>
+              <a:rPr lang="de-CH" dirty="0" err="1" smtClean="0"/>
+              <a:t>conic</a:t>
+            </a:r>
+            <a:r>
+              <a:rPr lang="de-CH" dirty="0" smtClean="0"/>
+              <a:t> </a:t>
+            </a:r>
+            <a:r>
+              <a:rPr lang="de-CH" dirty="0" err="1" smtClean="0"/>
+              <a:t>images</a:t>
+            </a:r>
+            <a:endParaRPr lang="de-CH" dirty="0"/>
+          </a:p>
+        </p:txBody>
+      </p:sp>
+      <p:sp>
+        <p:nvSpPr>
+          <p:cNvPr id="19" name="Inhaltsplatzhalter 5"/>
+          <p:cNvSpPr>
+            <a:spLocks noGrp="1"/>
+          </p:cNvSpPr>
+          <p:nvPr>
+            <p:ph sz="half" idx="1"/>
+          </p:nvPr>
+        </p:nvSpPr>
+        <p:spPr>
+          <a:xfrm>
+            <a:off x="476839" y="5457124"/>
+            <a:ext cx="2664370" cy="420216"/>
+          </a:xfrm>
+        </p:spPr>
+        <p:txBody>
+          <a:bodyPr/>
+          <a:lstStyle/>
+          <a:p>
+            <a:pPr marL="0" indent="0" algn="ctr">
+              <a:buNone/>
+            </a:pPr>
+            <a:r>
+              <a:rPr lang="de-CH" dirty="0" err="1" smtClean="0"/>
+              <a:t>connecting</a:t>
+            </a:r>
+            <a:r>
+              <a:rPr lang="de-CH" dirty="0" smtClean="0"/>
+              <a:t> Images</a:t>
+            </a:r>
+            <a:endParaRPr lang="de-CH" dirty="0"/>
+          </a:p>
+        </p:txBody>
+      </p:sp>
+      <p:grpSp>
+        <p:nvGrpSpPr>
+          <p:cNvPr id="20" name="Gruppieren 19">
+            <a:extLst>
+              <a:ext uri="{FF2B5EF4-FFF2-40B4-BE49-F238E27FC236}">
+                <a16:creationId xmlns="" xmlns:a16="http://schemas.microsoft.com/office/drawing/2014/main" id="{70F76854-6D1D-4FD7-92DF-DB1982CB87C8}"/>
+              </a:ext>
+            </a:extLst>
+          </p:cNvPr>
+          <p:cNvGrpSpPr/>
+          <p:nvPr/>
+        </p:nvGrpSpPr>
+        <p:grpSpPr>
+          <a:xfrm>
+            <a:off x="2349100" y="2458960"/>
+            <a:ext cx="1512210" cy="2239615"/>
+            <a:chOff x="4330732" y="2420860"/>
+            <a:chExt cx="1002048" cy="2239615"/>
+          </a:xfrm>
+        </p:grpSpPr>
+        <p:cxnSp>
+          <p:nvCxnSpPr>
+            <p:cNvPr id="22" name="Gerade Verbindung mit Pfeil 21">
+              <a:extLst>
+                <a:ext uri="{FF2B5EF4-FFF2-40B4-BE49-F238E27FC236}">
+                  <a16:creationId xmlns="" xmlns:a16="http://schemas.microsoft.com/office/drawing/2014/main" id="{6B9A14A1-BF3B-457F-A0A4-CDBE6DF45337}"/>
+                </a:ext>
+              </a:extLst>
+            </p:cNvPr>
+            <p:cNvCxnSpPr>
+              <a:cxnSpLocks/>
+            </p:cNvCxnSpPr>
+            <p:nvPr/>
+          </p:nvCxnSpPr>
+          <p:spPr>
+            <a:xfrm>
+              <a:off x="4330732" y="4660475"/>
+              <a:ext cx="1002048" cy="0"/>
+            </a:xfrm>
+            <a:prstGeom prst="straightConnector1">
+              <a:avLst/>
+            </a:prstGeom>
+            <a:ln w="25400" cap="sq">
+              <a:solidFill>
+                <a:schemeClr val="tx1"/>
+              </a:solidFill>
+              <a:round/>
+              <a:headEnd type="none" w="med" len="med"/>
+              <a:tailEnd type="triangle"/>
+            </a:ln>
+          </p:spPr>
+          <p:style>
+            <a:lnRef idx="1">
+              <a:schemeClr val="accent1"/>
+            </a:lnRef>
+            <a:fillRef idx="0">
+              <a:schemeClr val="accent1"/>
+            </a:fillRef>
+            <a:effectRef idx="0">
+              <a:schemeClr val="accent1"/>
+            </a:effectRef>
+            <a:fontRef idx="minor">
+              <a:schemeClr val="tx1"/>
+            </a:fontRef>
+          </p:style>
+        </p:cxnSp>
+        <p:cxnSp>
+          <p:nvCxnSpPr>
+            <p:cNvPr id="23" name="Gerade Verbindung mit Pfeil 22">
+              <a:extLst>
+                <a:ext uri="{FF2B5EF4-FFF2-40B4-BE49-F238E27FC236}">
+                  <a16:creationId xmlns="" xmlns:a16="http://schemas.microsoft.com/office/drawing/2014/main" id="{B6656257-8216-4646-BD6A-8D7584FD96EF}"/>
+                </a:ext>
+              </a:extLst>
+            </p:cNvPr>
+            <p:cNvCxnSpPr>
+              <a:cxnSpLocks/>
+            </p:cNvCxnSpPr>
+            <p:nvPr/>
+          </p:nvCxnSpPr>
+          <p:spPr>
+            <a:xfrm>
+              <a:off x="4330733" y="2420860"/>
+              <a:ext cx="1002047" cy="0"/>
+            </a:xfrm>
+            <a:prstGeom prst="straightConnector1">
+              <a:avLst/>
+            </a:prstGeom>
+            <a:ln w="25400" cap="sq">
+              <a:solidFill>
+                <a:schemeClr val="tx1"/>
+              </a:solidFill>
+              <a:round/>
+              <a:headEnd type="none" w="med" len="med"/>
+              <a:tailEnd type="triangle"/>
+            </a:ln>
+          </p:spPr>
+          <p:style>
+            <a:lnRef idx="1">
+              <a:schemeClr val="accent1"/>
+            </a:lnRef>
+            <a:fillRef idx="0">
+              <a:schemeClr val="accent1"/>
+            </a:fillRef>
+            <a:effectRef idx="0">
+              <a:schemeClr val="accent1"/>
+            </a:effectRef>
+            <a:fontRef idx="minor">
+              <a:schemeClr val="tx1"/>
+            </a:fontRef>
+          </p:style>
+        </p:cxnSp>
+      </p:grpSp>
+      <p:cxnSp>
+        <p:nvCxnSpPr>
+          <p:cNvPr id="24" name="Gerade Verbindung mit Pfeil 23">
+            <a:extLst>
+              <a:ext uri="{FF2B5EF4-FFF2-40B4-BE49-F238E27FC236}">
+                <a16:creationId xmlns="" xmlns:a16="http://schemas.microsoft.com/office/drawing/2014/main" id="{B6656257-8216-4646-BD6A-8D7584FD96EF}"/>
+              </a:ext>
+            </a:extLst>
+          </p:cNvPr>
+          <p:cNvCxnSpPr>
+            <a:cxnSpLocks/>
+          </p:cNvCxnSpPr>
+          <p:nvPr/>
+        </p:nvCxnSpPr>
+        <p:spPr>
+          <a:xfrm>
+            <a:off x="2349099" y="2573260"/>
+            <a:ext cx="1512208" cy="2017058"/>
+          </a:xfrm>
+          <a:prstGeom prst="straightConnector1">
+            <a:avLst/>
+          </a:prstGeom>
+          <a:ln w="25400" cap="sq">
+            <a:solidFill>
+              <a:schemeClr val="tx1"/>
+            </a:solidFill>
+            <a:round/>
+            <a:headEnd type="none" w="med" len="med"/>
+            <a:tailEnd type="triangle"/>
+          </a:ln>
+        </p:spPr>
+        <p:style>
+          <a:lnRef idx="1">
+            <a:schemeClr val="accent1"/>
+          </a:lnRef>
+          <a:fillRef idx="0">
+            <a:schemeClr val="accent1"/>
+          </a:fillRef>
+          <a:effectRef idx="0">
+            <a:schemeClr val="accent1"/>
+          </a:effectRef>
+          <a:fontRef idx="minor">
+            <a:schemeClr val="tx1"/>
+          </a:fontRef>
+        </p:style>
+      </p:cxnSp>
+      <p:cxnSp>
+        <p:nvCxnSpPr>
+          <p:cNvPr id="25" name="Gerade Verbindung mit Pfeil 24">
+            <a:extLst>
+              <a:ext uri="{FF2B5EF4-FFF2-40B4-BE49-F238E27FC236}">
+                <a16:creationId xmlns="" xmlns:a16="http://schemas.microsoft.com/office/drawing/2014/main" id="{B6656257-8216-4646-BD6A-8D7584FD96EF}"/>
+              </a:ext>
+            </a:extLst>
+          </p:cNvPr>
+          <p:cNvCxnSpPr>
+            <a:cxnSpLocks/>
+          </p:cNvCxnSpPr>
+          <p:nvPr/>
+        </p:nvCxnSpPr>
+        <p:spPr>
+          <a:xfrm>
+            <a:off x="5949601" y="2420860"/>
+            <a:ext cx="648088" cy="1080150"/>
+          </a:xfrm>
+          <a:prstGeom prst="straightConnector1">
+            <a:avLst/>
+          </a:prstGeom>
+          <a:ln w="25400" cap="sq">
+            <a:solidFill>
+              <a:schemeClr val="tx1"/>
+            </a:solidFill>
+            <a:round/>
+            <a:headEnd type="none" w="med" len="med"/>
+            <a:tailEnd type="triangle"/>
+          </a:ln>
+        </p:spPr>
+        <p:style>
+          <a:lnRef idx="1">
+            <a:schemeClr val="accent1"/>
+          </a:lnRef>
+          <a:fillRef idx="0">
+            <a:schemeClr val="accent1"/>
+          </a:fillRef>
+          <a:effectRef idx="0">
+            <a:schemeClr val="accent1"/>
+          </a:effectRef>
+          <a:fontRef idx="minor">
+            <a:schemeClr val="tx1"/>
+          </a:fontRef>
+        </p:style>
+      </p:cxnSp>
+      <p:cxnSp>
+        <p:nvCxnSpPr>
+          <p:cNvPr id="26" name="Gerade Verbindung mit Pfeil 25">
+            <a:extLst>
+              <a:ext uri="{FF2B5EF4-FFF2-40B4-BE49-F238E27FC236}">
+                <a16:creationId xmlns="" xmlns:a16="http://schemas.microsoft.com/office/drawing/2014/main" id="{B6656257-8216-4646-BD6A-8D7584FD96EF}"/>
+              </a:ext>
+            </a:extLst>
+          </p:cNvPr>
+          <p:cNvCxnSpPr>
+            <a:cxnSpLocks/>
+          </p:cNvCxnSpPr>
+          <p:nvPr/>
+        </p:nvCxnSpPr>
+        <p:spPr>
+          <a:xfrm flipV="1">
+            <a:off x="5949599" y="3581789"/>
+            <a:ext cx="648088" cy="1071381"/>
+          </a:xfrm>
+          <a:prstGeom prst="straightConnector1">
+            <a:avLst/>
+          </a:prstGeom>
+          <a:ln w="25400" cap="sq">
+            <a:solidFill>
+              <a:schemeClr val="tx1"/>
+            </a:solidFill>
+            <a:round/>
+            <a:headEnd type="none" w="med" len="med"/>
+            <a:tailEnd type="triangle"/>
+          </a:ln>
+        </p:spPr>
+        <p:style>
+          <a:lnRef idx="1">
+            <a:schemeClr val="accent1"/>
+          </a:lnRef>
+          <a:fillRef idx="0">
+            <a:schemeClr val="accent1"/>
+          </a:fillRef>
+          <a:effectRef idx="0">
+            <a:schemeClr val="accent1"/>
+          </a:effectRef>
+          <a:fontRef idx="minor">
+            <a:schemeClr val="tx1"/>
+          </a:fontRef>
+        </p:style>
+      </p:cxnSp>
+      <p:cxnSp>
+        <p:nvCxnSpPr>
+          <p:cNvPr id="29" name="Gerade Verbindung mit Pfeil 28">
+            <a:extLst>
+              <a:ext uri="{FF2B5EF4-FFF2-40B4-BE49-F238E27FC236}">
+                <a16:creationId xmlns="" xmlns:a16="http://schemas.microsoft.com/office/drawing/2014/main" id="{B6656257-8216-4646-BD6A-8D7584FD96EF}"/>
+              </a:ext>
+            </a:extLst>
+          </p:cNvPr>
+          <p:cNvCxnSpPr>
+            <a:cxnSpLocks/>
+          </p:cNvCxnSpPr>
+          <p:nvPr/>
+        </p:nvCxnSpPr>
+        <p:spPr>
+          <a:xfrm>
+            <a:off x="8715949" y="3511520"/>
+            <a:ext cx="792110" cy="0"/>
+          </a:xfrm>
+          <a:prstGeom prst="straightConnector1">
+            <a:avLst/>
+          </a:prstGeom>
+          <a:ln w="25400" cap="sq">
+            <a:solidFill>
+              <a:schemeClr val="tx1"/>
+            </a:solidFill>
+            <a:round/>
+            <a:headEnd type="none" w="med" len="med"/>
+            <a:tailEnd type="triangle"/>
+          </a:ln>
+        </p:spPr>
+        <p:style>
+          <a:lnRef idx="1">
+            <a:schemeClr val="accent1"/>
+          </a:lnRef>
+          <a:fillRef idx="0">
+            <a:schemeClr val="accent1"/>
+          </a:fillRef>
+          <a:effectRef idx="0">
+            <a:schemeClr val="accent1"/>
+          </a:effectRef>
+          <a:fontRef idx="minor">
+            <a:schemeClr val="tx1"/>
+          </a:fontRef>
+        </p:style>
+      </p:cxnSp>
+      <p:sp>
+        <p:nvSpPr>
+          <p:cNvPr id="30" name="Rechteck 29"/>
+          <p:cNvSpPr/>
+          <p:nvPr/>
+        </p:nvSpPr>
+        <p:spPr>
+          <a:xfrm>
+            <a:off x="6669699" y="2992791"/>
+            <a:ext cx="1872260" cy="1084299"/>
+          </a:xfrm>
+          <a:prstGeom prst="rect">
+            <a:avLst/>
+          </a:prstGeom>
+          <a:ln/>
+        </p:spPr>
+        <p:style>
+          <a:lnRef idx="2">
+            <a:schemeClr val="dk1"/>
+          </a:lnRef>
+          <a:fillRef idx="1">
+            <a:schemeClr val="lt1"/>
+          </a:fillRef>
+          <a:effectRef idx="0">
+            <a:schemeClr val="dk1"/>
+          </a:effectRef>
+          <a:fontRef idx="minor">
+            <a:schemeClr val="dk1"/>
+          </a:fontRef>
+        </p:style>
+        <p:txBody>
+          <a:bodyPr rtlCol="0" anchor="ctr"/>
+          <a:lstStyle/>
+          <a:p>
+            <a:pPr algn="ctr"/>
+            <a:r>
+              <a:rPr lang="de-CH" dirty="0" err="1" smtClean="0">
+                <a:solidFill>
+                  <a:schemeClr val="tx1"/>
+                </a:solidFill>
+              </a:rPr>
+              <a:t>Skeletal</a:t>
+            </a:r>
+            <a:r>
+              <a:rPr lang="de-CH" dirty="0" smtClean="0">
+                <a:solidFill>
+                  <a:schemeClr val="tx1"/>
+                </a:solidFill>
+              </a:rPr>
+              <a:t> </a:t>
+            </a:r>
+            <a:r>
+              <a:rPr lang="de-CH" dirty="0" err="1" smtClean="0">
+                <a:solidFill>
+                  <a:schemeClr val="tx1"/>
+                </a:solidFill>
+              </a:rPr>
+              <a:t>SfM</a:t>
+            </a:r>
+            <a:r>
+              <a:rPr lang="de-CH" dirty="0" smtClean="0">
+                <a:solidFill>
+                  <a:schemeClr val="tx1"/>
+                </a:solidFill>
+              </a:rPr>
+              <a:t> </a:t>
+            </a:r>
+            <a:r>
+              <a:rPr lang="de-CH" dirty="0" err="1" smtClean="0">
+                <a:solidFill>
+                  <a:schemeClr val="tx1"/>
+                </a:solidFill>
+              </a:rPr>
+              <a:t>of</a:t>
+            </a:r>
+            <a:r>
+              <a:rPr lang="de-CH" dirty="0" smtClean="0">
+                <a:solidFill>
+                  <a:schemeClr val="tx1"/>
+                </a:solidFill>
+              </a:rPr>
+              <a:t> Scene</a:t>
+            </a:r>
+            <a:endParaRPr lang="de-CH" dirty="0">
+              <a:solidFill>
+                <a:schemeClr val="tx1"/>
+              </a:solidFill>
+            </a:endParaRPr>
+          </a:p>
+        </p:txBody>
+      </p:sp>
+    </p:spTree>
+    <p:extLst>
+      <p:ext uri="{BB962C8B-B14F-4D97-AF65-F5344CB8AC3E}">
+        <p14:creationId xmlns:p14="http://schemas.microsoft.com/office/powerpoint/2010/main" val="1644690642"/>
+      </p:ext>
+    </p:extLst>
+  </p:cSld>
+  <p:clrMapOvr>
+    <a:masterClrMapping/>
+  </p:clrMapOvr>
+  <p:transition>
+    <p:fade/>
+  </p:transition>
+  <p:timing>
+    <p:tnLst>
+      <p:par>
+        <p:cTn id="1" dur="indefinite" restart="never" nodeType="tmRoot"/>
+      </p:par>
+    </p:tnLst>
+  </p:timing>
+</p:sld>
+</file>
+
+<file path=ppt/slides/slide4.xml><?xml version="1.0" encoding="utf-8"?>
+<p:sld xmlns:a="http://schemas.openxmlformats.org/drawingml/2006/main" xmlns:r="http://schemas.openxmlformats.org/officeDocument/2006/relationships" xmlns:p="http://schemas.openxmlformats.org/presentationml/2006/main">
+  <p:cSld>
+    <p:spTree>
+      <p:nvGrpSpPr>
+        <p:cNvPr id="1" name=""/>
+        <p:cNvGrpSpPr/>
+        <p:nvPr/>
+      </p:nvGrpSpPr>
+      <p:grpSpPr>
+        <a:xfrm>
+          <a:off x="0" y="0"/>
+          <a:ext cx="0" cy="0"/>
+          <a:chOff x="0" y="0"/>
+          <a:chExt cx="0" cy="0"/>
+        </a:xfrm>
+      </p:grpSpPr>
+      <p:sp>
+        <p:nvSpPr>
+          <p:cNvPr id="2" name="Inhaltsplatzhalter 1"/>
+          <p:cNvSpPr>
+            <a:spLocks noGrp="1"/>
+          </p:cNvSpPr>
+          <p:nvPr>
+            <p:ph idx="1"/>
+          </p:nvPr>
+        </p:nvSpPr>
+        <p:spPr>
+          <a:xfrm>
+            <a:off x="323850" y="1556740"/>
+            <a:ext cx="11537950" cy="4210046"/>
+          </a:xfrm>
+        </p:spPr>
+        <p:txBody>
+          <a:bodyPr/>
+          <a:lstStyle/>
+          <a:p>
+            <a:r>
+              <a:rPr lang="de-CH" dirty="0" smtClean="0"/>
+              <a:t>Problem: </a:t>
+            </a:r>
+            <a:r>
+              <a:rPr lang="de-CH" dirty="0" err="1" smtClean="0"/>
+              <a:t>Two</a:t>
+            </a:r>
+            <a:r>
+              <a:rPr lang="de-CH" dirty="0" smtClean="0"/>
+              <a:t> </a:t>
+            </a:r>
+            <a:r>
+              <a:rPr lang="de-CH" dirty="0" err="1" smtClean="0"/>
+              <a:t>or</a:t>
+            </a:r>
+            <a:r>
+              <a:rPr lang="de-CH" dirty="0" smtClean="0"/>
+              <a:t> </a:t>
+            </a:r>
+            <a:r>
+              <a:rPr lang="de-CH" dirty="0" err="1" smtClean="0"/>
+              <a:t>more</a:t>
+            </a:r>
+            <a:r>
+              <a:rPr lang="de-CH" dirty="0" smtClean="0"/>
+              <a:t> </a:t>
+            </a:r>
+            <a:r>
+              <a:rPr lang="de-CH" dirty="0" err="1" smtClean="0"/>
+              <a:t>clusters</a:t>
+            </a:r>
+            <a:r>
+              <a:rPr lang="de-CH" dirty="0" smtClean="0"/>
+              <a:t> </a:t>
+            </a:r>
+            <a:r>
+              <a:rPr lang="de-CH" dirty="0" err="1" smtClean="0"/>
+              <a:t>can</a:t>
+            </a:r>
+            <a:r>
+              <a:rPr lang="de-CH" dirty="0" smtClean="0"/>
+              <a:t> </a:t>
+            </a:r>
+            <a:r>
+              <a:rPr lang="de-CH" dirty="0" err="1" smtClean="0"/>
+              <a:t>be</a:t>
+            </a:r>
+            <a:r>
+              <a:rPr lang="de-CH" dirty="0" smtClean="0"/>
+              <a:t> </a:t>
+            </a:r>
+            <a:r>
+              <a:rPr lang="de-CH" dirty="0" err="1" smtClean="0"/>
+              <a:t>similar</a:t>
+            </a:r>
+            <a:r>
+              <a:rPr lang="de-CH" dirty="0" smtClean="0"/>
+              <a:t> </a:t>
+            </a:r>
+            <a:r>
+              <a:rPr lang="de-CH" dirty="0" err="1" smtClean="0"/>
+              <a:t>because</a:t>
+            </a:r>
+            <a:r>
+              <a:rPr lang="de-CH" dirty="0" smtClean="0"/>
+              <a:t> </a:t>
+            </a:r>
+            <a:r>
+              <a:rPr lang="de-CH" dirty="0" err="1" smtClean="0"/>
+              <a:t>of</a:t>
+            </a:r>
+            <a:endParaRPr lang="de-CH" dirty="0" smtClean="0"/>
+          </a:p>
+          <a:p>
+            <a:pPr lvl="1"/>
+            <a:r>
+              <a:rPr lang="de-CH" dirty="0" smtClean="0"/>
+              <a:t>Image </a:t>
+            </a:r>
+            <a:r>
+              <a:rPr lang="de-CH" dirty="0" err="1" smtClean="0"/>
+              <a:t>retrieval</a:t>
+            </a:r>
+            <a:r>
+              <a:rPr lang="de-CH" dirty="0" smtClean="0"/>
+              <a:t> </a:t>
+            </a:r>
+            <a:r>
+              <a:rPr lang="de-CH" dirty="0" err="1" smtClean="0"/>
+              <a:t>failures</a:t>
+            </a:r>
+            <a:endParaRPr lang="de-CH" dirty="0"/>
+          </a:p>
+          <a:p>
+            <a:pPr lvl="1"/>
+            <a:r>
+              <a:rPr lang="de-CH" dirty="0" smtClean="0"/>
+              <a:t>limited </a:t>
+            </a:r>
+            <a:r>
+              <a:rPr lang="de-CH" dirty="0" err="1" smtClean="0"/>
+              <a:t>computing</a:t>
+            </a:r>
+            <a:r>
+              <a:rPr lang="de-CH" dirty="0" smtClean="0"/>
+              <a:t> </a:t>
+            </a:r>
+            <a:r>
+              <a:rPr lang="de-CH" dirty="0" err="1" smtClean="0"/>
+              <a:t>budget</a:t>
+            </a:r>
+            <a:r>
+              <a:rPr lang="de-CH" dirty="0" smtClean="0"/>
+              <a:t> </a:t>
+            </a:r>
+            <a:r>
+              <a:rPr lang="de-CH" dirty="0" err="1" smtClean="0"/>
+              <a:t>as</a:t>
+            </a:r>
+            <a:r>
+              <a:rPr lang="de-CH" dirty="0" smtClean="0"/>
+              <a:t> </a:t>
+            </a:r>
+            <a:r>
+              <a:rPr lang="de-CH" dirty="0" err="1" smtClean="0"/>
+              <a:t>discussed</a:t>
+            </a:r>
+            <a:r>
+              <a:rPr lang="de-CH" dirty="0" smtClean="0"/>
+              <a:t> </a:t>
+            </a:r>
+            <a:r>
+              <a:rPr lang="de-CH" dirty="0" err="1" smtClean="0"/>
+              <a:t>before</a:t>
+            </a:r>
+            <a:endParaRPr lang="de-CH" dirty="0" smtClean="0"/>
+          </a:p>
+          <a:p>
+            <a:endParaRPr lang="de-CH" dirty="0" smtClean="0"/>
+          </a:p>
+          <a:p>
+            <a:r>
+              <a:rPr lang="de-CH" dirty="0" smtClean="0"/>
+              <a:t>Solution: </a:t>
+            </a:r>
+            <a:r>
+              <a:rPr lang="de-CH" dirty="0" err="1" smtClean="0"/>
+              <a:t>Merging</a:t>
+            </a:r>
+            <a:endParaRPr lang="de-CH" dirty="0"/>
+          </a:p>
+          <a:p>
+            <a:pPr lvl="1"/>
+            <a:r>
+              <a:rPr lang="de-CH" dirty="0" err="1" smtClean="0"/>
+              <a:t>Merging</a:t>
+            </a:r>
+            <a:r>
+              <a:rPr lang="de-CH" dirty="0" smtClean="0"/>
+              <a:t> </a:t>
+            </a:r>
+            <a:r>
+              <a:rPr lang="de-CH" dirty="0" err="1" smtClean="0"/>
+              <a:t>strategy</a:t>
+            </a:r>
+            <a:r>
+              <a:rPr lang="de-CH" dirty="0" smtClean="0"/>
+              <a:t>: </a:t>
+            </a:r>
+            <a:r>
+              <a:rPr lang="de-CH" dirty="0" err="1" smtClean="0"/>
+              <a:t>Maximize</a:t>
+            </a:r>
+            <a:r>
+              <a:rPr lang="de-CH" dirty="0" smtClean="0"/>
+              <a:t> </a:t>
+            </a:r>
+            <a:r>
+              <a:rPr lang="de-CH" dirty="0" err="1" smtClean="0"/>
+              <a:t>average</a:t>
+            </a:r>
+            <a:r>
+              <a:rPr lang="de-CH" dirty="0" smtClean="0"/>
+              <a:t> </a:t>
+            </a:r>
+            <a:r>
+              <a:rPr lang="de-CH" dirty="0" err="1" smtClean="0"/>
+              <a:t>iconic</a:t>
+            </a:r>
+            <a:r>
+              <a:rPr lang="de-CH" dirty="0" smtClean="0"/>
+              <a:t>-</a:t>
+            </a:r>
+            <a:r>
+              <a:rPr lang="de-CH" dirty="0" err="1" smtClean="0"/>
+              <a:t>to</a:t>
+            </a:r>
+            <a:r>
+              <a:rPr lang="de-CH" dirty="0" smtClean="0"/>
+              <a:t>-cluster </a:t>
+            </a:r>
+            <a:r>
+              <a:rPr lang="de-CH" dirty="0" err="1" smtClean="0"/>
+              <a:t>image</a:t>
+            </a:r>
+            <a:r>
+              <a:rPr lang="de-CH" dirty="0" smtClean="0"/>
+              <a:t> </a:t>
+            </a:r>
+            <a:r>
+              <a:rPr lang="de-CH" dirty="0" err="1" smtClean="0"/>
+              <a:t>ratio</a:t>
+            </a:r>
+            <a:r>
+              <a:rPr lang="de-CH" dirty="0" smtClean="0"/>
+              <a:t>.</a:t>
+            </a:r>
+          </a:p>
+          <a:p>
+            <a:pPr lvl="1"/>
+            <a:r>
+              <a:rPr lang="de-CH" dirty="0" smtClean="0"/>
+              <a:t>Keep </a:t>
+            </a:r>
+            <a:r>
+              <a:rPr lang="de-CH" dirty="0" err="1" smtClean="0"/>
+              <a:t>better</a:t>
+            </a:r>
+            <a:r>
+              <a:rPr lang="de-CH" dirty="0" smtClean="0"/>
+              <a:t> </a:t>
+            </a:r>
+            <a:r>
+              <a:rPr lang="de-CH" dirty="0" err="1" smtClean="0"/>
+              <a:t>iconic</a:t>
+            </a:r>
+            <a:r>
+              <a:rPr lang="de-CH" dirty="0" smtClean="0"/>
+              <a:t> </a:t>
+            </a:r>
+            <a:r>
+              <a:rPr lang="de-CH" dirty="0" err="1" smtClean="0"/>
+              <a:t>image</a:t>
+            </a:r>
+            <a:endParaRPr lang="de-CH" dirty="0" smtClean="0"/>
+          </a:p>
+          <a:p>
+            <a:pPr marL="0" indent="0">
+              <a:buNone/>
+            </a:pPr>
+            <a:endParaRPr lang="de-CH" dirty="0"/>
+          </a:p>
+        </p:txBody>
+      </p:sp>
+      <p:sp>
+        <p:nvSpPr>
+          <p:cNvPr id="3" name="Datumsplatzhalter 2"/>
+          <p:cNvSpPr>
+            <a:spLocks noGrp="1"/>
+          </p:cNvSpPr>
+          <p:nvPr>
+            <p:ph type="dt" sz="half" idx="10"/>
+          </p:nvPr>
+        </p:nvSpPr>
+        <p:spPr/>
+        <p:txBody>
+          <a:bodyPr/>
+          <a:lstStyle/>
+          <a:p>
+            <a:fld id="{4587530D-E2B9-450C-95B9-BA02C43D8F93}" type="datetime1">
+              <a:rPr lang="de-DE" smtClean="0"/>
+              <a:t>16.03.2018</a:t>
+            </a:fld>
+            <a:endParaRPr lang="de-CH" dirty="0"/>
+          </a:p>
+        </p:txBody>
+      </p:sp>
+      <p:sp>
+        <p:nvSpPr>
+          <p:cNvPr id="4" name="Fußzeilenplatzhalter 3"/>
+          <p:cNvSpPr>
+            <a:spLocks noGrp="1"/>
+          </p:cNvSpPr>
+          <p:nvPr>
+            <p:ph type="ftr" sz="quarter" idx="11"/>
+          </p:nvPr>
+        </p:nvSpPr>
+        <p:spPr/>
+        <p:txBody>
+          <a:bodyPr/>
+          <a:lstStyle/>
+          <a:p>
+            <a:r>
+              <a:rPr lang="de-CH" smtClean="0"/>
+              <a:t>Varin Buff, Gian-Andrea Heinrich, Björn Joos, Robin Stähli</a:t>
+            </a:r>
+            <a:endParaRPr lang="de-CH" dirty="0"/>
+          </a:p>
+        </p:txBody>
+      </p:sp>
+      <p:sp>
+        <p:nvSpPr>
+          <p:cNvPr id="5" name="Foliennummernplatzhalter 4"/>
+          <p:cNvSpPr>
+            <a:spLocks noGrp="1"/>
+          </p:cNvSpPr>
+          <p:nvPr>
+            <p:ph type="sldNum" sz="quarter" idx="12"/>
+          </p:nvPr>
+        </p:nvSpPr>
+        <p:spPr/>
+        <p:txBody>
+          <a:bodyPr/>
+          <a:lstStyle/>
+          <a:p>
+            <a:fld id="{6C6AE60A-B69C-4790-82F7-3882EDF23186}" type="slidenum">
+              <a:rPr lang="de-CH" smtClean="0"/>
+              <a:t>4</a:t>
+            </a:fld>
+            <a:endParaRPr lang="de-CH" dirty="0"/>
+          </a:p>
+        </p:txBody>
+      </p:sp>
+      <p:sp>
+        <p:nvSpPr>
+          <p:cNvPr id="6" name="Titel 5"/>
+          <p:cNvSpPr>
+            <a:spLocks noGrp="1"/>
+          </p:cNvSpPr>
+          <p:nvPr>
+            <p:ph type="title"/>
+          </p:nvPr>
+        </p:nvSpPr>
+        <p:spPr/>
+        <p:txBody>
+          <a:bodyPr/>
+          <a:lstStyle/>
+          <a:p>
+            <a:r>
+              <a:rPr lang="de-CH" dirty="0" smtClean="0"/>
+              <a:t>Cluster </a:t>
+            </a:r>
+            <a:r>
+              <a:rPr lang="de-CH" dirty="0" err="1" smtClean="0"/>
+              <a:t>Merging</a:t>
+            </a:r>
+            <a:endParaRPr lang="de-CH" dirty="0"/>
+          </a:p>
+        </p:txBody>
+      </p:sp>
+    </p:spTree>
+    <p:extLst>
+      <p:ext uri="{BB962C8B-B14F-4D97-AF65-F5344CB8AC3E}">
+        <p14:creationId xmlns:p14="http://schemas.microsoft.com/office/powerpoint/2010/main" val="2420450420"/>
+      </p:ext>
+    </p:extLst>
+  </p:cSld>
+  <p:clrMapOvr>
+    <a:masterClrMapping/>
+  </p:clrMapOvr>
+  <p:transition>
+    <p:fade/>
+  </p:transition>
+  <p:timing>
+    <p:tnLst>
+      <p:par>
+        <p:cTn id="1" dur="indefinite" restart="never" nodeType="tmRoot"/>
+      </p:par>
+    </p:tnLst>
+  </p:timing>
+</p:sld>
+</file>
+
+<file path=ppt/slides/slide5.xml><?xml version="1.0" encoding="utf-8"?>
+<p:sld xmlns:a="http://schemas.openxmlformats.org/drawingml/2006/main" xmlns:r="http://schemas.openxmlformats.org/officeDocument/2006/relationships" xmlns:p="http://schemas.openxmlformats.org/presentationml/2006/main">
+  <p:cSld>
+    <p:spTree>
+      <p:nvGrpSpPr>
+        <p:cNvPr id="1" name=""/>
+        <p:cNvGrpSpPr/>
+        <p:nvPr/>
+      </p:nvGrpSpPr>
+      <p:grpSpPr>
+        <a:xfrm>
+          <a:off x="0" y="0"/>
+          <a:ext cx="0" cy="0"/>
+          <a:chOff x="0" y="0"/>
+          <a:chExt cx="0" cy="0"/>
+        </a:xfrm>
+      </p:grpSpPr>
+      <mc:AlternateContent xmlns:mc="http://schemas.openxmlformats.org/markup-compatibility/2006" xmlns:a14="http://schemas.microsoft.com/office/drawing/2010/main">
+        <mc:Choice Requires="a14">
+          <p:sp>
+            <p:nvSpPr>
+              <p:cNvPr id="8" name="Inhaltsplatzhalter 7"/>
+              <p:cNvSpPr>
+                <a:spLocks noGrp="1"/>
+              </p:cNvSpPr>
+              <p:nvPr>
+                <p:ph idx="1"/>
+              </p:nvPr>
+            </p:nvSpPr>
+            <p:spPr>
+              <a:xfrm>
+                <a:off x="323850" y="1533784"/>
+                <a:ext cx="11537950" cy="4210046"/>
+              </a:xfrm>
+            </p:spPr>
+            <p:txBody>
+              <a:bodyPr/>
+              <a:lstStyle/>
+              <a:p>
+                <a:r>
+                  <a:rPr lang="de-CH" dirty="0" smtClean="0"/>
+                  <a:t>Problem: World-</a:t>
+                </a:r>
+                <a:r>
+                  <a:rPr lang="de-CH" dirty="0" err="1" smtClean="0"/>
+                  <a:t>scale</a:t>
+                </a:r>
+                <a:r>
+                  <a:rPr lang="de-CH" dirty="0" smtClean="0"/>
+                  <a:t> </a:t>
+                </a:r>
+                <a:r>
+                  <a:rPr lang="de-CH" dirty="0" err="1" smtClean="0"/>
+                  <a:t>data</a:t>
+                </a:r>
+                <a:r>
+                  <a:rPr lang="de-CH" dirty="0" smtClean="0"/>
+                  <a:t> </a:t>
+                </a:r>
+                <a:r>
+                  <a:rPr lang="de-CH" dirty="0" err="1" smtClean="0"/>
+                  <a:t>can</a:t>
+                </a:r>
+                <a:r>
+                  <a:rPr lang="de-CH" dirty="0" smtClean="0"/>
+                  <a:t> not </a:t>
+                </a:r>
+                <a:r>
+                  <a:rPr lang="de-CH" dirty="0" err="1" smtClean="0"/>
+                  <a:t>be</a:t>
+                </a:r>
+                <a:r>
+                  <a:rPr lang="de-CH" dirty="0" smtClean="0"/>
+                  <a:t> </a:t>
+                </a:r>
+                <a:r>
+                  <a:rPr lang="de-CH" dirty="0" err="1" smtClean="0"/>
+                  <a:t>kept</a:t>
+                </a:r>
+                <a:r>
+                  <a:rPr lang="de-CH" dirty="0" smtClean="0"/>
+                  <a:t> </a:t>
+                </a:r>
+                <a:r>
+                  <a:rPr lang="de-CH" dirty="0" err="1" smtClean="0"/>
+                  <a:t>completely</a:t>
+                </a:r>
+                <a:r>
+                  <a:rPr lang="de-CH" dirty="0" smtClean="0"/>
+                  <a:t> in </a:t>
+                </a:r>
+                <a:r>
+                  <a:rPr lang="de-CH" dirty="0" err="1" smtClean="0"/>
+                  <a:t>memory</a:t>
+                </a:r>
+                <a:endParaRPr lang="de-CH" dirty="0" smtClean="0"/>
+              </a:p>
+              <a:p>
+                <a:endParaRPr lang="de-CH" dirty="0" smtClean="0"/>
+              </a:p>
+              <a:p>
+                <a:r>
+                  <a:rPr lang="de-CH" dirty="0" smtClean="0"/>
+                  <a:t>Solution 1:</a:t>
+                </a:r>
               </a:p>
               <a:p>
                 <a:pPr lvl="1"/>
@@ -35947,15 +37725,7 @@
                 </a:r>
                 <a:r>
                   <a:rPr lang="de-CH" dirty="0" smtClean="0"/>
-                  <a:t> </a:t>
-                </a:r>
-                <a:r>
-                  <a:rPr lang="de-CH" dirty="0" smtClean="0"/>
-                  <a:t>c </a:t>
-                </a:r>
-                <a:r>
-                  <a:rPr lang="de-CH" dirty="0" smtClean="0"/>
-                  <a:t>in </a:t>
+                  <a:t> c in </a:t>
                 </a:r>
                 <a:r>
                   <a:rPr lang="de-CH" dirty="0" err="1" smtClean="0"/>
@@ -36009,11 +37779,7 @@
               <a:p>
                 <a:r>
                   <a:rPr lang="de-CH" dirty="0" smtClean="0"/>
-                  <a:t>Solution 2: Set </a:t>
-                </a:r>
-                <a:r>
-                  <a:rPr lang="de-CH" dirty="0" smtClean="0"/>
-                  <a:t>a </a:t>
+                  <a:t>Solution 2: Set a </a:t>
                 </a:r>
                 <a:r>
                   <a:rPr lang="de-CH" dirty="0" err="1" smtClean="0"/>
@@ -36201,7 +37967,7 @@
             </p:txBody>
           </p:sp>
         </mc:Choice>
-        <mc:Fallback>
+        <mc:Fallback xmlns="">
           <p:sp>
             <p:nvSpPr>
               <p:cNvPr id="8" name="Inhaltsplatzhalter 7"/>
@@ -36302,7 +38068,7 @@
           <a:p>
             <a:fld id="{6C6AE60A-B69C-4790-82F7-3882EDF23186}" type="slidenum">
               <a:rPr lang="de-CH" smtClean="0"/>
-              <a:t>3</a:t>
+              <a:t>5</a:t>
             </a:fld>
             <a:endParaRPr lang="de-CH" dirty="0"/>
           </a:p>
@@ -36339,7 +38105,7 @@
     </p:spTree>
     <p:extLst>
       <p:ext uri="{BB962C8B-B14F-4D97-AF65-F5344CB8AC3E}">
-        <p14:creationId xmlns:p14="http://schemas.microsoft.com/office/powerpoint/2010/main" val="148620336"/>
+        <p14:creationId xmlns:p14="http://schemas.microsoft.com/office/powerpoint/2010/main" val="448614651"/>
       </p:ext>
     </p:extLst>
   </p:cSld>
@@ -36356,1217 +38122,6 @@
       </p:par>
     </p:tnLst>
   </p:timing>
-</p:sld>
-</file>
-
-<file path=ppt/slides/slide4.xml><?xml version="1.0" encoding="utf-8"?>
-<p:sld xmlns:a="http://schemas.openxmlformats.org/drawingml/2006/main" xmlns:r="http://schemas.openxmlformats.org/officeDocument/2006/relationships" xmlns:p="http://schemas.openxmlformats.org/presentationml/2006/main">
-  <p:cSld>
-    <p:spTree>
-      <p:nvGrpSpPr>
-        <p:cNvPr id="1" name=""/>
-        <p:cNvGrpSpPr/>
-        <p:nvPr/>
-      </p:nvGrpSpPr>
-      <p:grpSpPr>
-        <a:xfrm>
-          <a:off x="0" y="0"/>
-          <a:ext cx="0" cy="0"/>
-          <a:chOff x="0" y="0"/>
-          <a:chExt cx="0" cy="0"/>
-        </a:xfrm>
-      </p:grpSpPr>
-      <p:sp>
-        <p:nvSpPr>
-          <p:cNvPr id="6" name="Inhaltsplatzhalter 5"/>
-          <p:cNvSpPr>
-            <a:spLocks noGrp="1"/>
-          </p:cNvSpPr>
-          <p:nvPr>
-            <p:ph sz="half" idx="1"/>
-          </p:nvPr>
-        </p:nvSpPr>
-        <p:spPr/>
-        <p:txBody>
-          <a:bodyPr/>
-          <a:lstStyle/>
-          <a:p>
-            <a:r>
-              <a:rPr lang="de-CH" dirty="0"/>
-              <a:t>DIAGRAM OUT OF TEXT</a:t>
-            </a:r>
-          </a:p>
-          <a:p>
-            <a:endParaRPr lang="de-CH" dirty="0" smtClean="0"/>
-          </a:p>
-          <a:p>
-            <a:r>
-              <a:rPr lang="de-CH" dirty="0" err="1" smtClean="0"/>
-              <a:t>Previously</a:t>
-            </a:r>
-            <a:r>
-              <a:rPr lang="de-CH" dirty="0" smtClean="0"/>
-              <a:t> </a:t>
-            </a:r>
-            <a:r>
-              <a:rPr lang="de-CH" dirty="0" err="1" smtClean="0"/>
-              <a:t>found</a:t>
-            </a:r>
-            <a:r>
-              <a:rPr lang="de-CH" dirty="0" smtClean="0"/>
-              <a:t> </a:t>
-            </a:r>
-            <a:r>
-              <a:rPr lang="de-CH" dirty="0" err="1" smtClean="0"/>
-              <a:t>clusters</a:t>
-            </a:r>
-            <a:r>
-              <a:rPr lang="de-CH" dirty="0" smtClean="0"/>
-              <a:t> </a:t>
-            </a:r>
-            <a:r>
-              <a:rPr lang="de-CH" dirty="0" err="1" smtClean="0"/>
-              <a:t>as</a:t>
-            </a:r>
-            <a:r>
-              <a:rPr lang="de-CH" dirty="0" smtClean="0"/>
-              <a:t> </a:t>
-            </a:r>
-            <a:r>
-              <a:rPr lang="de-CH" dirty="0" smtClean="0"/>
-              <a:t>a </a:t>
-            </a:r>
-            <a:r>
-              <a:rPr lang="de-CH" dirty="0" err="1" smtClean="0"/>
-              <a:t>base</a:t>
-            </a:r>
-            <a:endParaRPr lang="de-CH" dirty="0" smtClean="0"/>
-          </a:p>
-          <a:p>
-            <a:r>
-              <a:rPr lang="de-CH" dirty="0" err="1" smtClean="0"/>
-              <a:t>No</a:t>
-            </a:r>
-            <a:r>
-              <a:rPr lang="de-CH" dirty="0" smtClean="0"/>
-              <a:t> </a:t>
-            </a:r>
-            <a:r>
-              <a:rPr lang="de-CH" dirty="0" err="1" smtClean="0"/>
-              <a:t>need</a:t>
-            </a:r>
-            <a:r>
-              <a:rPr lang="de-CH" dirty="0" smtClean="0"/>
-              <a:t> </a:t>
-            </a:r>
-            <a:r>
-              <a:rPr lang="de-CH" dirty="0" err="1" smtClean="0"/>
-              <a:t>for</a:t>
-            </a:r>
-            <a:r>
-              <a:rPr lang="de-CH" dirty="0" smtClean="0"/>
-              <a:t> </a:t>
-            </a:r>
-            <a:r>
-              <a:rPr lang="de-CH" dirty="0" err="1" smtClean="0"/>
-              <a:t>SfM</a:t>
-            </a:r>
-            <a:r>
-              <a:rPr lang="de-CH" dirty="0" smtClean="0"/>
-              <a:t> </a:t>
-            </a:r>
-            <a:r>
-              <a:rPr lang="de-CH" dirty="0" err="1" smtClean="0"/>
-              <a:t>to</a:t>
-            </a:r>
-            <a:r>
-              <a:rPr lang="de-CH" dirty="0" smtClean="0"/>
-              <a:t> </a:t>
-            </a:r>
-            <a:r>
-              <a:rPr lang="de-CH" dirty="0" err="1" smtClean="0"/>
-              <a:t>perform</a:t>
-            </a:r>
-            <a:r>
-              <a:rPr lang="de-CH" dirty="0" smtClean="0"/>
-              <a:t> </a:t>
-            </a:r>
-            <a:r>
-              <a:rPr lang="de-CH" dirty="0" err="1" smtClean="0"/>
-              <a:t>cluster</a:t>
-            </a:r>
-            <a:r>
-              <a:rPr lang="de-CH" dirty="0" smtClean="0"/>
-              <a:t> </a:t>
-            </a:r>
-            <a:r>
-              <a:rPr lang="de-CH" dirty="0" err="1" smtClean="0"/>
-              <a:t>or</a:t>
-            </a:r>
-            <a:r>
-              <a:rPr lang="de-CH" dirty="0" smtClean="0"/>
-              <a:t> </a:t>
-            </a:r>
-            <a:r>
-              <a:rPr lang="de-CH" dirty="0" err="1" smtClean="0"/>
-              <a:t>iconic</a:t>
-            </a:r>
-            <a:r>
-              <a:rPr lang="de-CH" dirty="0" smtClean="0"/>
-              <a:t> </a:t>
-            </a:r>
-            <a:r>
-              <a:rPr lang="de-CH" dirty="0" err="1" smtClean="0"/>
-              <a:t>image</a:t>
-            </a:r>
-            <a:r>
-              <a:rPr lang="de-CH" dirty="0" smtClean="0"/>
-              <a:t> </a:t>
-            </a:r>
-            <a:r>
-              <a:rPr lang="de-CH" dirty="0" err="1" smtClean="0"/>
-              <a:t>matching</a:t>
-            </a:r>
-            <a:endParaRPr lang="de-CH" dirty="0" smtClean="0"/>
-          </a:p>
-          <a:p>
-            <a:r>
-              <a:rPr lang="de-CH" dirty="0" err="1"/>
-              <a:t>Iconic</a:t>
-            </a:r>
-            <a:r>
-              <a:rPr lang="de-CH" dirty="0"/>
-              <a:t> </a:t>
-            </a:r>
-            <a:r>
-              <a:rPr lang="de-CH" dirty="0" err="1"/>
-              <a:t>images</a:t>
-            </a:r>
-            <a:r>
-              <a:rPr lang="de-CH" dirty="0"/>
-              <a:t> do not </a:t>
-            </a:r>
-            <a:r>
-              <a:rPr lang="de-CH" dirty="0" err="1"/>
-              <a:t>match</a:t>
-            </a:r>
-            <a:r>
-              <a:rPr lang="de-CH" dirty="0"/>
-              <a:t> </a:t>
-            </a:r>
-            <a:r>
-              <a:rPr lang="de-CH" dirty="0" err="1"/>
-              <a:t>densly</a:t>
-            </a:r>
-            <a:r>
-              <a:rPr lang="de-CH" dirty="0"/>
-              <a:t>, </a:t>
-            </a:r>
-            <a:r>
-              <a:rPr lang="de-CH" dirty="0" err="1"/>
-              <a:t>adding</a:t>
-            </a:r>
-            <a:r>
-              <a:rPr lang="de-CH" dirty="0"/>
-              <a:t> </a:t>
-            </a:r>
-            <a:r>
-              <a:rPr lang="de-CH" dirty="0" err="1"/>
-              <a:t>most</a:t>
-            </a:r>
-            <a:r>
-              <a:rPr lang="de-CH" dirty="0"/>
-              <a:t> </a:t>
-            </a:r>
-            <a:r>
-              <a:rPr lang="de-CH" dirty="0" err="1"/>
-              <a:t>connecting</a:t>
-            </a:r>
-            <a:r>
-              <a:rPr lang="de-CH" dirty="0"/>
-              <a:t> </a:t>
-            </a:r>
-            <a:r>
-              <a:rPr lang="de-CH" dirty="0" err="1"/>
-              <a:t>images</a:t>
-            </a:r>
-            <a:r>
-              <a:rPr lang="de-CH" dirty="0"/>
-              <a:t> </a:t>
-            </a:r>
-            <a:r>
-              <a:rPr lang="de-CH" dirty="0" err="1"/>
-              <a:t>to</a:t>
-            </a:r>
-            <a:r>
-              <a:rPr lang="de-CH" dirty="0"/>
-              <a:t> </a:t>
-            </a:r>
-            <a:r>
-              <a:rPr lang="de-CH" dirty="0" err="1"/>
-              <a:t>connect</a:t>
-            </a:r>
-            <a:r>
-              <a:rPr lang="de-CH" dirty="0"/>
-              <a:t> </a:t>
-            </a:r>
-            <a:r>
-              <a:rPr lang="de-CH" dirty="0" err="1"/>
-              <a:t>as</a:t>
-            </a:r>
-            <a:r>
-              <a:rPr lang="de-CH" dirty="0"/>
-              <a:t> </a:t>
-            </a:r>
-            <a:r>
-              <a:rPr lang="de-CH" dirty="0" err="1"/>
-              <a:t>many</a:t>
-            </a:r>
-            <a:r>
-              <a:rPr lang="de-CH" dirty="0"/>
-              <a:t> </a:t>
-            </a:r>
-            <a:r>
-              <a:rPr lang="de-CH" dirty="0" err="1"/>
-              <a:t>clusters</a:t>
-            </a:r>
-            <a:r>
-              <a:rPr lang="de-CH" dirty="0"/>
-              <a:t> </a:t>
-            </a:r>
-            <a:r>
-              <a:rPr lang="de-CH" dirty="0" err="1"/>
-              <a:t>as</a:t>
-            </a:r>
-            <a:r>
-              <a:rPr lang="de-CH" dirty="0"/>
-              <a:t> </a:t>
-            </a:r>
-            <a:r>
-              <a:rPr lang="de-CH" dirty="0" err="1" smtClean="0"/>
-              <a:t>possible</a:t>
-            </a:r>
-            <a:endParaRPr lang="de-CH" dirty="0" smtClean="0"/>
-          </a:p>
-          <a:p>
-            <a:r>
-              <a:rPr lang="de-CH" dirty="0" err="1" smtClean="0"/>
-              <a:t>Seperate</a:t>
-            </a:r>
-            <a:r>
-              <a:rPr lang="de-CH" dirty="0" smtClean="0"/>
-              <a:t> </a:t>
-            </a:r>
-            <a:r>
-              <a:rPr lang="de-CH" dirty="0" err="1" smtClean="0"/>
-              <a:t>hierachical</a:t>
-            </a:r>
-            <a:r>
-              <a:rPr lang="de-CH" dirty="0" smtClean="0"/>
-              <a:t> </a:t>
-            </a:r>
-            <a:r>
-              <a:rPr lang="de-CH" dirty="0" err="1" smtClean="0"/>
-              <a:t>SfM</a:t>
-            </a:r>
-            <a:r>
-              <a:rPr lang="de-CH" dirty="0"/>
-              <a:t> </a:t>
-            </a:r>
-            <a:r>
-              <a:rPr lang="de-CH" dirty="0" err="1" smtClean="0"/>
-              <a:t>process</a:t>
-            </a:r>
-            <a:r>
-              <a:rPr lang="de-CH" dirty="0" smtClean="0"/>
-              <a:t> </a:t>
-            </a:r>
-            <a:r>
-              <a:rPr lang="de-CH" dirty="0" err="1" smtClean="0"/>
-              <a:t>for</a:t>
-            </a:r>
-            <a:r>
-              <a:rPr lang="de-CH" dirty="0" smtClean="0"/>
-              <a:t> </a:t>
-            </a:r>
-            <a:r>
-              <a:rPr lang="de-CH" dirty="0" err="1" smtClean="0"/>
-              <a:t>every</a:t>
-            </a:r>
-            <a:r>
-              <a:rPr lang="de-CH" dirty="0" smtClean="0"/>
-              <a:t> </a:t>
-            </a:r>
-            <a:r>
-              <a:rPr lang="de-CH" dirty="0" err="1" smtClean="0"/>
-              <a:t>connected</a:t>
-            </a:r>
-            <a:r>
-              <a:rPr lang="de-CH" dirty="0" smtClean="0"/>
-              <a:t> </a:t>
-            </a:r>
-            <a:r>
-              <a:rPr lang="de-CH" dirty="0" err="1" smtClean="0"/>
-              <a:t>component</a:t>
-            </a:r>
-            <a:endParaRPr lang="de-CH" dirty="0" smtClean="0"/>
-          </a:p>
-          <a:p>
-            <a:r>
-              <a:rPr lang="de-CH" dirty="0" err="1" smtClean="0"/>
-              <a:t>Greedy</a:t>
-            </a:r>
-            <a:r>
-              <a:rPr lang="de-CH" dirty="0" smtClean="0"/>
-              <a:t> </a:t>
-            </a:r>
-            <a:r>
-              <a:rPr lang="de-CH" dirty="0" err="1" smtClean="0"/>
-              <a:t>strategy</a:t>
-            </a:r>
-            <a:r>
-              <a:rPr lang="de-CH" dirty="0" smtClean="0"/>
-              <a:t>: </a:t>
-            </a:r>
-            <a:r>
-              <a:rPr lang="de-CH" dirty="0" err="1" smtClean="0"/>
-              <a:t>algorithm</a:t>
-            </a:r>
-            <a:r>
-              <a:rPr lang="de-CH" dirty="0" smtClean="0"/>
-              <a:t> </a:t>
-            </a:r>
-            <a:r>
-              <a:rPr lang="de-CH" dirty="0" err="1" smtClean="0"/>
-              <a:t>to</a:t>
-            </a:r>
-            <a:r>
-              <a:rPr lang="de-CH" dirty="0" smtClean="0"/>
-              <a:t> </a:t>
-            </a:r>
-            <a:r>
-              <a:rPr lang="de-CH" dirty="0" err="1" smtClean="0"/>
-              <a:t>choose</a:t>
-            </a:r>
-            <a:r>
-              <a:rPr lang="de-CH" dirty="0" smtClean="0"/>
-              <a:t> </a:t>
-            </a:r>
-            <a:r>
-              <a:rPr lang="de-CH" dirty="0" err="1" smtClean="0"/>
-              <a:t>iconic</a:t>
-            </a:r>
-            <a:r>
-              <a:rPr lang="de-CH" dirty="0" smtClean="0"/>
-              <a:t> </a:t>
-            </a:r>
-            <a:r>
-              <a:rPr lang="de-CH" dirty="0" err="1" smtClean="0"/>
-              <a:t>images</a:t>
-            </a:r>
-            <a:r>
-              <a:rPr lang="de-CH" dirty="0" smtClean="0"/>
-              <a:t> MAYBE NEW SHEET</a:t>
-            </a:r>
-          </a:p>
-          <a:p>
-            <a:r>
-              <a:rPr lang="de-CH" dirty="0" smtClean="0">
-                <a:solidFill>
-                  <a:srgbClr val="FF0000"/>
-                </a:solidFill>
-              </a:rPr>
-              <a:t>P3P</a:t>
-            </a:r>
-          </a:p>
-          <a:p>
-            <a:pPr marL="0" indent="0">
-              <a:buNone/>
-            </a:pPr>
-            <a:endParaRPr lang="de-CH" dirty="0" smtClean="0"/>
-          </a:p>
-        </p:txBody>
-      </p:sp>
-      <p:sp>
-        <p:nvSpPr>
-          <p:cNvPr id="7" name="Inhaltsplatzhalter 6"/>
-          <p:cNvSpPr>
-            <a:spLocks noGrp="1"/>
-          </p:cNvSpPr>
-          <p:nvPr>
-            <p:ph sz="half" idx="2"/>
-          </p:nvPr>
-        </p:nvSpPr>
-        <p:spPr/>
-        <p:txBody>
-          <a:bodyPr/>
-          <a:lstStyle/>
-          <a:p>
-            <a:r>
-              <a:rPr lang="de-CH" dirty="0" smtClean="0"/>
-              <a:t>Matrix M </a:t>
-            </a:r>
-            <a:r>
-              <a:rPr lang="de-CH" dirty="0" err="1" smtClean="0"/>
-              <a:t>with</a:t>
-            </a:r>
-            <a:r>
-              <a:rPr lang="de-CH" dirty="0" smtClean="0"/>
-              <a:t> </a:t>
-            </a:r>
-            <a:r>
-              <a:rPr lang="de-CH" dirty="0" err="1" smtClean="0"/>
-              <a:t>only</a:t>
-            </a:r>
-            <a:r>
-              <a:rPr lang="de-CH" dirty="0" smtClean="0"/>
-              <a:t> </a:t>
-            </a:r>
-            <a:r>
-              <a:rPr lang="de-CH" dirty="0" err="1" smtClean="0"/>
-              <a:t>iconic</a:t>
-            </a:r>
-            <a:r>
-              <a:rPr lang="de-CH" dirty="0" smtClean="0"/>
-              <a:t> Images</a:t>
-            </a:r>
-          </a:p>
-          <a:p>
-            <a:r>
-              <a:rPr lang="de-CH" dirty="0" smtClean="0"/>
-              <a:t>Matrix M </a:t>
-            </a:r>
-            <a:r>
-              <a:rPr lang="de-CH" dirty="0" err="1" smtClean="0"/>
-              <a:t>with</a:t>
-            </a:r>
-            <a:r>
-              <a:rPr lang="de-CH" dirty="0" smtClean="0"/>
-              <a:t> </a:t>
-            </a:r>
-            <a:r>
-              <a:rPr lang="de-CH" dirty="0" err="1" smtClean="0"/>
-              <a:t>iconic</a:t>
-            </a:r>
-            <a:r>
-              <a:rPr lang="de-CH" dirty="0" smtClean="0"/>
-              <a:t> </a:t>
-            </a:r>
-            <a:r>
-              <a:rPr lang="de-CH" dirty="0" err="1" smtClean="0"/>
-              <a:t>and</a:t>
-            </a:r>
-            <a:r>
-              <a:rPr lang="de-CH" dirty="0" smtClean="0"/>
-              <a:t> </a:t>
-            </a:r>
-            <a:r>
-              <a:rPr lang="de-CH" dirty="0" err="1" smtClean="0"/>
-              <a:t>subset</a:t>
-            </a:r>
-            <a:r>
-              <a:rPr lang="de-CH" dirty="0" smtClean="0"/>
-              <a:t> </a:t>
-            </a:r>
-            <a:r>
-              <a:rPr lang="de-CH" dirty="0" err="1" smtClean="0"/>
-              <a:t>of</a:t>
-            </a:r>
-            <a:r>
-              <a:rPr lang="de-CH" dirty="0" smtClean="0"/>
-              <a:t> </a:t>
-            </a:r>
-            <a:r>
-              <a:rPr lang="de-CH" dirty="0" err="1" smtClean="0"/>
-              <a:t>connecting</a:t>
-            </a:r>
-            <a:r>
-              <a:rPr lang="de-CH" dirty="0" smtClean="0"/>
-              <a:t> </a:t>
-            </a:r>
-            <a:r>
-              <a:rPr lang="de-CH" dirty="0" err="1" smtClean="0"/>
-              <a:t>images</a:t>
-            </a:r>
-            <a:endParaRPr lang="de-CH" dirty="0"/>
-          </a:p>
-        </p:txBody>
-      </p:sp>
-      <p:sp>
-        <p:nvSpPr>
-          <p:cNvPr id="2" name="Datumsplatzhalter 1"/>
-          <p:cNvSpPr>
-            <a:spLocks noGrp="1"/>
-          </p:cNvSpPr>
-          <p:nvPr>
-            <p:ph type="dt" sz="half" idx="10"/>
-          </p:nvPr>
-        </p:nvSpPr>
-        <p:spPr/>
-        <p:txBody>
-          <a:bodyPr/>
-          <a:lstStyle/>
-          <a:p>
-            <a:fld id="{D7D23431-3A84-4A29-ADE9-6688760CEB46}" type="datetime1">
-              <a:rPr lang="de-DE" smtClean="0"/>
-              <a:t>16.03.2018</a:t>
-            </a:fld>
-            <a:endParaRPr lang="de-CH" dirty="0"/>
-          </a:p>
-        </p:txBody>
-      </p:sp>
-      <p:sp>
-        <p:nvSpPr>
-          <p:cNvPr id="3" name="Fußzeilenplatzhalter 2"/>
-          <p:cNvSpPr>
-            <a:spLocks noGrp="1"/>
-          </p:cNvSpPr>
-          <p:nvPr>
-            <p:ph type="ftr" sz="quarter" idx="11"/>
-          </p:nvPr>
-        </p:nvSpPr>
-        <p:spPr/>
-        <p:txBody>
-          <a:bodyPr/>
-          <a:lstStyle/>
-          <a:p>
-            <a:r>
-              <a:rPr lang="de-CH" smtClean="0"/>
-              <a:t>Varin Buff, Gian-Andrea Heinrich, Björn Joos, Robin Stähli</a:t>
-            </a:r>
-            <a:endParaRPr lang="de-CH" dirty="0"/>
-          </a:p>
-        </p:txBody>
-      </p:sp>
-      <p:sp>
-        <p:nvSpPr>
-          <p:cNvPr id="4" name="Foliennummernplatzhalter 3"/>
-          <p:cNvSpPr>
-            <a:spLocks noGrp="1"/>
-          </p:cNvSpPr>
-          <p:nvPr>
-            <p:ph type="sldNum" sz="quarter" idx="12"/>
-          </p:nvPr>
-        </p:nvSpPr>
-        <p:spPr/>
-        <p:txBody>
-          <a:bodyPr/>
-          <a:lstStyle/>
-          <a:p>
-            <a:fld id="{6C6AE60A-B69C-4790-82F7-3882EDF23186}" type="slidenum">
-              <a:rPr lang="de-CH" smtClean="0"/>
-              <a:t>4</a:t>
-            </a:fld>
-            <a:endParaRPr lang="de-CH" dirty="0"/>
-          </a:p>
-        </p:txBody>
-      </p:sp>
-      <p:sp>
-        <p:nvSpPr>
-          <p:cNvPr id="5" name="Titel 4"/>
-          <p:cNvSpPr>
-            <a:spLocks noGrp="1"/>
-          </p:cNvSpPr>
-          <p:nvPr>
-            <p:ph type="title"/>
-          </p:nvPr>
-        </p:nvSpPr>
-        <p:spPr/>
-        <p:txBody>
-          <a:bodyPr/>
-          <a:lstStyle/>
-          <a:p>
-            <a:r>
-              <a:rPr lang="de-CH" dirty="0" err="1" smtClean="0"/>
-              <a:t>Structure</a:t>
-            </a:r>
-            <a:r>
-              <a:rPr lang="de-CH" dirty="0" smtClean="0"/>
-              <a:t> </a:t>
-            </a:r>
-            <a:r>
-              <a:rPr lang="de-CH" dirty="0" err="1"/>
-              <a:t>F</a:t>
-            </a:r>
-            <a:r>
-              <a:rPr lang="de-CH" dirty="0" err="1" smtClean="0"/>
-              <a:t>rom</a:t>
-            </a:r>
-            <a:r>
-              <a:rPr lang="de-CH" dirty="0" smtClean="0"/>
-              <a:t> Motion (</a:t>
-            </a:r>
-            <a:r>
-              <a:rPr lang="de-CH" dirty="0" err="1" smtClean="0"/>
-              <a:t>SfM</a:t>
-            </a:r>
-            <a:r>
-              <a:rPr lang="de-CH" dirty="0" smtClean="0"/>
-              <a:t>)</a:t>
-            </a:r>
-            <a:endParaRPr lang="de-CH" dirty="0"/>
-          </a:p>
-        </p:txBody>
-      </p:sp>
-    </p:spTree>
-    <p:extLst>
-      <p:ext uri="{BB962C8B-B14F-4D97-AF65-F5344CB8AC3E}">
-        <p14:creationId xmlns:p14="http://schemas.microsoft.com/office/powerpoint/2010/main" val="1172222962"/>
-      </p:ext>
-    </p:extLst>
-  </p:cSld>
-  <p:clrMapOvr>
-    <a:masterClrMapping/>
-  </p:clrMapOvr>
-  <p:transition>
-    <p:fade/>
-  </p:transition>
-  <p:timing>
-    <p:tnLst>
-      <p:par>
-        <p:cTn id="1" dur="indefinite" restart="never" nodeType="tmRoot"/>
-      </p:par>
-    </p:tnLst>
-  </p:timing>
-</p:sld>
-</file>
-
-<file path=ppt/slides/slide5.xml><?xml version="1.0" encoding="utf-8"?>
-<p:sld xmlns:a="http://schemas.openxmlformats.org/drawingml/2006/main" xmlns:r="http://schemas.openxmlformats.org/officeDocument/2006/relationships" xmlns:p="http://schemas.openxmlformats.org/presentationml/2006/main">
-  <p:cSld>
-    <p:spTree>
-      <p:nvGrpSpPr>
-        <p:cNvPr id="1" name=""/>
-        <p:cNvGrpSpPr/>
-        <p:nvPr/>
-      </p:nvGrpSpPr>
-      <p:grpSpPr>
-        <a:xfrm>
-          <a:off x="0" y="0"/>
-          <a:ext cx="0" cy="0"/>
-          <a:chOff x="0" y="0"/>
-          <a:chExt cx="0" cy="0"/>
-        </a:xfrm>
-      </p:grpSpPr>
-      <p:sp>
-        <p:nvSpPr>
-          <p:cNvPr id="4" name="Datumsplatzhalter 3"/>
-          <p:cNvSpPr>
-            <a:spLocks noGrp="1"/>
-          </p:cNvSpPr>
-          <p:nvPr>
-            <p:ph type="dt" sz="half" idx="10"/>
-          </p:nvPr>
-        </p:nvSpPr>
-        <p:spPr/>
-        <p:txBody>
-          <a:bodyPr/>
-          <a:lstStyle/>
-          <a:p>
-            <a:fld id="{D90BDADD-4382-4B9C-852B-753AD3BC3C41}" type="datetime1">
-              <a:rPr lang="de-DE" smtClean="0"/>
-              <a:t>16.03.2018</a:t>
-            </a:fld>
-            <a:endParaRPr lang="de-CH" dirty="0"/>
-          </a:p>
-        </p:txBody>
-      </p:sp>
-      <p:sp>
-        <p:nvSpPr>
-          <p:cNvPr id="5" name="Fußzeilenplatzhalter 4"/>
-          <p:cNvSpPr>
-            <a:spLocks noGrp="1"/>
-          </p:cNvSpPr>
-          <p:nvPr>
-            <p:ph type="ftr" sz="quarter" idx="11"/>
-          </p:nvPr>
-        </p:nvSpPr>
-        <p:spPr/>
-        <p:txBody>
-          <a:bodyPr/>
-          <a:lstStyle/>
-          <a:p>
-            <a:r>
-              <a:rPr lang="de-CH" smtClean="0"/>
-              <a:t>Varin Buff, Gian-Andrea Heinrich, Björn Joos, Robin Stähli</a:t>
-            </a:r>
-            <a:endParaRPr lang="de-CH" dirty="0"/>
-          </a:p>
-        </p:txBody>
-      </p:sp>
-      <p:sp>
-        <p:nvSpPr>
-          <p:cNvPr id="6" name="Foliennummernplatzhalter 5"/>
-          <p:cNvSpPr>
-            <a:spLocks noGrp="1"/>
-          </p:cNvSpPr>
-          <p:nvPr>
-            <p:ph type="sldNum" sz="quarter" idx="12"/>
-          </p:nvPr>
-        </p:nvSpPr>
-        <p:spPr/>
-        <p:txBody>
-          <a:bodyPr/>
-          <a:lstStyle/>
-          <a:p>
-            <a:fld id="{6C6AE60A-B69C-4790-82F7-3882EDF23186}" type="slidenum">
-              <a:rPr lang="de-CH" smtClean="0"/>
-              <a:t>5</a:t>
-            </a:fld>
-            <a:endParaRPr lang="de-CH" dirty="0"/>
-          </a:p>
-        </p:txBody>
-      </p:sp>
-      <p:sp>
-        <p:nvSpPr>
-          <p:cNvPr id="7" name="Titel 6"/>
-          <p:cNvSpPr>
-            <a:spLocks noGrp="1"/>
-          </p:cNvSpPr>
-          <p:nvPr>
-            <p:ph type="title"/>
-          </p:nvPr>
-        </p:nvSpPr>
-        <p:spPr/>
-        <p:txBody>
-          <a:bodyPr/>
-          <a:lstStyle/>
-          <a:p>
-            <a:r>
-              <a:rPr lang="de-CH" dirty="0" err="1"/>
-              <a:t>Structure</a:t>
-            </a:r>
-            <a:r>
-              <a:rPr lang="de-CH" dirty="0"/>
-              <a:t> </a:t>
-            </a:r>
-            <a:r>
-              <a:rPr lang="de-CH" dirty="0" err="1"/>
-              <a:t>From</a:t>
-            </a:r>
-            <a:r>
-              <a:rPr lang="de-CH" dirty="0"/>
-              <a:t> Motion (</a:t>
-            </a:r>
-            <a:r>
-              <a:rPr lang="de-CH" dirty="0" err="1"/>
-              <a:t>SfM</a:t>
-            </a:r>
-            <a:r>
-              <a:rPr lang="de-CH" dirty="0" smtClean="0"/>
-              <a:t>)</a:t>
-            </a:r>
-            <a:endParaRPr lang="de-CH" dirty="0"/>
-          </a:p>
-        </p:txBody>
-      </p:sp>
-      <p:sp>
-        <p:nvSpPr>
-          <p:cNvPr id="8" name="Rechteck 7"/>
-          <p:cNvSpPr/>
-          <p:nvPr/>
-        </p:nvSpPr>
-        <p:spPr>
-          <a:xfrm>
-            <a:off x="531558" y="1912641"/>
-            <a:ext cx="2376330" cy="1084299"/>
-          </a:xfrm>
-          <a:prstGeom prst="rect">
-            <a:avLst/>
-          </a:prstGeom>
-          <a:solidFill>
-            <a:schemeClr val="accent1">
-              <a:lumMod val="60000"/>
-              <a:lumOff val="40000"/>
-            </a:schemeClr>
-          </a:solidFill>
-          <a:ln>
-            <a:noFill/>
-          </a:ln>
-        </p:spPr>
-        <p:style>
-          <a:lnRef idx="2">
-            <a:schemeClr val="accent1">
-              <a:shade val="50000"/>
-            </a:schemeClr>
-          </a:lnRef>
-          <a:fillRef idx="1">
-            <a:schemeClr val="accent1"/>
-          </a:fillRef>
-          <a:effectRef idx="0">
-            <a:schemeClr val="accent1"/>
-          </a:effectRef>
-          <a:fontRef idx="minor">
-            <a:schemeClr val="lt1"/>
-          </a:fontRef>
-        </p:style>
-        <p:txBody>
-          <a:bodyPr rtlCol="0" anchor="ctr"/>
-          <a:lstStyle/>
-          <a:p>
-            <a:pPr algn="ctr"/>
-            <a:r>
-              <a:rPr lang="de-CH" dirty="0" err="1" smtClean="0"/>
-              <a:t>Iconic</a:t>
-            </a:r>
-            <a:r>
-              <a:rPr lang="de-CH" dirty="0" smtClean="0"/>
-              <a:t> Images</a:t>
-            </a:r>
-            <a:endParaRPr lang="de-CH" dirty="0"/>
-          </a:p>
-        </p:txBody>
-      </p:sp>
-      <p:sp>
-        <p:nvSpPr>
-          <p:cNvPr id="11" name="Rechteck 10"/>
-          <p:cNvSpPr/>
-          <p:nvPr/>
-        </p:nvSpPr>
-        <p:spPr>
-          <a:xfrm>
-            <a:off x="533150" y="3356990"/>
-            <a:ext cx="2376330" cy="1084299"/>
-          </a:xfrm>
-          <a:prstGeom prst="rect">
-            <a:avLst/>
-          </a:prstGeom>
-          <a:solidFill>
-            <a:schemeClr val="accent1">
-              <a:lumMod val="60000"/>
-              <a:lumOff val="40000"/>
-            </a:schemeClr>
-          </a:solidFill>
-          <a:ln>
-            <a:noFill/>
-          </a:ln>
-        </p:spPr>
-        <p:style>
-          <a:lnRef idx="2">
-            <a:schemeClr val="accent1">
-              <a:shade val="50000"/>
-            </a:schemeClr>
-          </a:lnRef>
-          <a:fillRef idx="1">
-            <a:schemeClr val="accent1"/>
-          </a:fillRef>
-          <a:effectRef idx="0">
-            <a:schemeClr val="accent1"/>
-          </a:effectRef>
-          <a:fontRef idx="minor">
-            <a:schemeClr val="lt1"/>
-          </a:fontRef>
-        </p:style>
-        <p:txBody>
-          <a:bodyPr rtlCol="0" anchor="ctr"/>
-          <a:lstStyle/>
-          <a:p>
-            <a:pPr algn="ctr"/>
-            <a:r>
-              <a:rPr lang="de-CH" dirty="0" err="1" smtClean="0"/>
-              <a:t>connecting</a:t>
-            </a:r>
-            <a:r>
-              <a:rPr lang="de-CH" dirty="0" smtClean="0"/>
-              <a:t> Images</a:t>
-            </a:r>
-            <a:endParaRPr lang="de-CH" dirty="0"/>
-          </a:p>
-        </p:txBody>
-      </p:sp>
-      <p:sp>
-        <p:nvSpPr>
-          <p:cNvPr id="12" name="Rechteck 11"/>
-          <p:cNvSpPr/>
-          <p:nvPr/>
-        </p:nvSpPr>
-        <p:spPr>
-          <a:xfrm>
-            <a:off x="3933319" y="1902131"/>
-            <a:ext cx="2376330" cy="1084299"/>
-          </a:xfrm>
-          <a:prstGeom prst="rect">
-            <a:avLst/>
-          </a:prstGeom>
-          <a:solidFill>
-            <a:schemeClr val="accent1">
-              <a:lumMod val="60000"/>
-              <a:lumOff val="40000"/>
-            </a:schemeClr>
-          </a:solidFill>
-          <a:ln>
-            <a:noFill/>
-          </a:ln>
-        </p:spPr>
-        <p:style>
-          <a:lnRef idx="2">
-            <a:schemeClr val="accent1">
-              <a:shade val="50000"/>
-            </a:schemeClr>
-          </a:lnRef>
-          <a:fillRef idx="1">
-            <a:schemeClr val="accent1"/>
-          </a:fillRef>
-          <a:effectRef idx="0">
-            <a:schemeClr val="accent1"/>
-          </a:effectRef>
-          <a:fontRef idx="minor">
-            <a:schemeClr val="lt1"/>
-          </a:fontRef>
-        </p:style>
-        <p:txBody>
-          <a:bodyPr rtlCol="0" anchor="ctr"/>
-          <a:lstStyle/>
-          <a:p>
-            <a:pPr algn="ctr"/>
-            <a:r>
-              <a:rPr lang="de-CH" dirty="0" smtClean="0"/>
-              <a:t>Search </a:t>
-            </a:r>
-            <a:r>
-              <a:rPr lang="de-CH" dirty="0" err="1" smtClean="0"/>
-              <a:t>for</a:t>
-            </a:r>
-            <a:r>
-              <a:rPr lang="de-CH" dirty="0" smtClean="0"/>
-              <a:t> Connections</a:t>
-            </a:r>
-            <a:endParaRPr lang="de-CH" dirty="0"/>
-          </a:p>
-        </p:txBody>
-      </p:sp>
-      <p:sp>
-        <p:nvSpPr>
-          <p:cNvPr id="13" name="Rechteck 12"/>
-          <p:cNvSpPr/>
-          <p:nvPr/>
-        </p:nvSpPr>
-        <p:spPr>
-          <a:xfrm>
-            <a:off x="3949150" y="3352841"/>
-            <a:ext cx="2376330" cy="1084299"/>
-          </a:xfrm>
-          <a:prstGeom prst="rect">
-            <a:avLst/>
-          </a:prstGeom>
-          <a:solidFill>
-            <a:schemeClr val="accent1">
-              <a:lumMod val="60000"/>
-              <a:lumOff val="40000"/>
-            </a:schemeClr>
-          </a:solidFill>
-          <a:ln>
-            <a:noFill/>
-          </a:ln>
-        </p:spPr>
-        <p:style>
-          <a:lnRef idx="2">
-            <a:schemeClr val="accent1">
-              <a:shade val="50000"/>
-            </a:schemeClr>
-          </a:lnRef>
-          <a:fillRef idx="1">
-            <a:schemeClr val="accent1"/>
-          </a:fillRef>
-          <a:effectRef idx="0">
-            <a:schemeClr val="accent1"/>
-          </a:effectRef>
-          <a:fontRef idx="minor">
-            <a:schemeClr val="lt1"/>
-          </a:fontRef>
-        </p:style>
-        <p:txBody>
-          <a:bodyPr rtlCol="0" anchor="ctr"/>
-          <a:lstStyle/>
-          <a:p>
-            <a:pPr algn="ctr"/>
-            <a:r>
-              <a:rPr lang="de-CH" dirty="0" smtClean="0"/>
-              <a:t>Search </a:t>
-            </a:r>
-            <a:r>
-              <a:rPr lang="de-CH" dirty="0" err="1" smtClean="0"/>
-              <a:t>for</a:t>
-            </a:r>
-            <a:r>
-              <a:rPr lang="de-CH" dirty="0" smtClean="0"/>
-              <a:t> Connections</a:t>
-            </a:r>
-            <a:endParaRPr lang="de-CH" dirty="0"/>
-          </a:p>
-        </p:txBody>
-      </p:sp>
-      <p:sp>
-        <p:nvSpPr>
-          <p:cNvPr id="14" name="Rechteck 13"/>
-          <p:cNvSpPr/>
-          <p:nvPr/>
-        </p:nvSpPr>
-        <p:spPr>
-          <a:xfrm>
-            <a:off x="6813719" y="2682437"/>
-            <a:ext cx="2376330" cy="1084299"/>
-          </a:xfrm>
-          <a:prstGeom prst="rect">
-            <a:avLst/>
-          </a:prstGeom>
-          <a:solidFill>
-            <a:schemeClr val="accent1">
-              <a:lumMod val="60000"/>
-              <a:lumOff val="40000"/>
-            </a:schemeClr>
-          </a:solidFill>
-          <a:ln>
-            <a:noFill/>
-          </a:ln>
-        </p:spPr>
-        <p:style>
-          <a:lnRef idx="2">
-            <a:schemeClr val="accent1">
-              <a:shade val="50000"/>
-            </a:schemeClr>
-          </a:lnRef>
-          <a:fillRef idx="1">
-            <a:schemeClr val="accent1"/>
-          </a:fillRef>
-          <a:effectRef idx="0">
-            <a:schemeClr val="accent1"/>
-          </a:effectRef>
-          <a:fontRef idx="minor">
-            <a:schemeClr val="lt1"/>
-          </a:fontRef>
-        </p:style>
-        <p:txBody>
-          <a:bodyPr rtlCol="0" anchor="ctr"/>
-          <a:lstStyle/>
-          <a:p>
-            <a:pPr algn="ctr"/>
-            <a:r>
-              <a:rPr lang="de-CH" dirty="0" err="1" smtClean="0"/>
-              <a:t>Skeletal</a:t>
-            </a:r>
-            <a:r>
-              <a:rPr lang="de-CH" dirty="0" smtClean="0"/>
-              <a:t> </a:t>
-            </a:r>
-            <a:r>
-              <a:rPr lang="de-CH" dirty="0" err="1" smtClean="0"/>
-              <a:t>SfM</a:t>
-            </a:r>
-            <a:r>
-              <a:rPr lang="de-CH" dirty="0" smtClean="0"/>
-              <a:t> </a:t>
-            </a:r>
-            <a:r>
-              <a:rPr lang="de-CH" dirty="0" err="1" smtClean="0"/>
-              <a:t>of</a:t>
-            </a:r>
-            <a:r>
-              <a:rPr lang="de-CH" dirty="0" smtClean="0"/>
-              <a:t> Scene</a:t>
-            </a:r>
-            <a:endParaRPr lang="de-CH" dirty="0"/>
-          </a:p>
-        </p:txBody>
-      </p:sp>
-      <p:sp>
-        <p:nvSpPr>
-          <p:cNvPr id="15" name="Rechteck 14"/>
-          <p:cNvSpPr/>
-          <p:nvPr/>
-        </p:nvSpPr>
-        <p:spPr>
-          <a:xfrm>
-            <a:off x="9406079" y="2682436"/>
-            <a:ext cx="2376330" cy="1084299"/>
-          </a:xfrm>
-          <a:prstGeom prst="rect">
-            <a:avLst/>
-          </a:prstGeom>
-          <a:solidFill>
-            <a:schemeClr val="accent1">
-              <a:lumMod val="60000"/>
-              <a:lumOff val="40000"/>
-            </a:schemeClr>
-          </a:solidFill>
-          <a:ln>
-            <a:noFill/>
-          </a:ln>
-        </p:spPr>
-        <p:style>
-          <a:lnRef idx="2">
-            <a:schemeClr val="accent1">
-              <a:shade val="50000"/>
-            </a:schemeClr>
-          </a:lnRef>
-          <a:fillRef idx="1">
-            <a:schemeClr val="accent1"/>
-          </a:fillRef>
-          <a:effectRef idx="0">
-            <a:schemeClr val="accent1"/>
-          </a:effectRef>
-          <a:fontRef idx="minor">
-            <a:schemeClr val="lt1"/>
-          </a:fontRef>
-        </p:style>
-        <p:txBody>
-          <a:bodyPr rtlCol="0" anchor="ctr"/>
-          <a:lstStyle/>
-          <a:p>
-            <a:pPr algn="ctr"/>
-            <a:r>
-              <a:rPr lang="de-CH" dirty="0" smtClean="0"/>
-              <a:t>Register </a:t>
-            </a:r>
-            <a:r>
-              <a:rPr lang="de-CH" dirty="0" err="1" smtClean="0"/>
-              <a:t>remaining</a:t>
-            </a:r>
-            <a:r>
-              <a:rPr lang="de-CH" dirty="0" smtClean="0"/>
-              <a:t> </a:t>
-            </a:r>
-            <a:r>
-              <a:rPr lang="de-CH" dirty="0" err="1" smtClean="0"/>
-              <a:t>connecting</a:t>
-            </a:r>
-            <a:r>
-              <a:rPr lang="de-CH" dirty="0" smtClean="0"/>
-              <a:t>  </a:t>
-            </a:r>
-            <a:r>
-              <a:rPr lang="de-CH" dirty="0" err="1" smtClean="0"/>
-              <a:t>images</a:t>
-            </a:r>
-            <a:r>
-              <a:rPr lang="de-CH" dirty="0" smtClean="0"/>
-              <a:t> </a:t>
-            </a:r>
-            <a:r>
-              <a:rPr lang="de-CH" dirty="0" err="1" smtClean="0"/>
-              <a:t>with</a:t>
-            </a:r>
-            <a:r>
-              <a:rPr lang="de-CH" dirty="0" smtClean="0"/>
-              <a:t> P3P</a:t>
-            </a:r>
-            <a:endParaRPr lang="de-CH" dirty="0"/>
-          </a:p>
-        </p:txBody>
-      </p:sp>
-    </p:spTree>
-    <p:extLst>
-      <p:ext uri="{BB962C8B-B14F-4D97-AF65-F5344CB8AC3E}">
-        <p14:creationId xmlns:p14="http://schemas.microsoft.com/office/powerpoint/2010/main" val="1644690642"/>
-      </p:ext>
-    </p:extLst>
-  </p:cSld>
-  <p:clrMapOvr>
-    <a:masterClrMapping/>
-  </p:clrMapOvr>
-  <p:transition>
-    <p:fade/>
-  </p:transition>
 </p:sld>
 </file>
 
@@ -37589,6 +38144,674 @@
       </p:grpSpPr>
       <p:sp>
         <p:nvSpPr>
+          <p:cNvPr id="6" name="Inhaltsplatzhalter 5"/>
+          <p:cNvSpPr>
+            <a:spLocks noGrp="1"/>
+          </p:cNvSpPr>
+          <p:nvPr>
+            <p:ph sz="half" idx="1"/>
+          </p:nvPr>
+        </p:nvSpPr>
+        <p:spPr/>
+        <p:txBody>
+          <a:bodyPr/>
+          <a:lstStyle/>
+          <a:p>
+            <a:r>
+              <a:rPr lang="de-CH" dirty="0"/>
+              <a:t>DIAGRAM OUT OF TEXT</a:t>
+            </a:r>
+          </a:p>
+          <a:p>
+            <a:endParaRPr lang="de-CH" dirty="0" smtClean="0"/>
+          </a:p>
+          <a:p>
+            <a:r>
+              <a:rPr lang="de-CH" dirty="0" err="1" smtClean="0"/>
+              <a:t>Previously</a:t>
+            </a:r>
+            <a:r>
+              <a:rPr lang="de-CH" dirty="0" smtClean="0"/>
+              <a:t> </a:t>
+            </a:r>
+            <a:r>
+              <a:rPr lang="de-CH" dirty="0" err="1" smtClean="0"/>
+              <a:t>found</a:t>
+            </a:r>
+            <a:r>
+              <a:rPr lang="de-CH" dirty="0" smtClean="0"/>
+              <a:t> </a:t>
+            </a:r>
+            <a:r>
+              <a:rPr lang="de-CH" dirty="0" err="1" smtClean="0"/>
+              <a:t>clusters</a:t>
+            </a:r>
+            <a:r>
+              <a:rPr lang="de-CH" dirty="0" smtClean="0"/>
+              <a:t> </a:t>
+            </a:r>
+            <a:r>
+              <a:rPr lang="de-CH" dirty="0" err="1" smtClean="0"/>
+              <a:t>as</a:t>
+            </a:r>
+            <a:r>
+              <a:rPr lang="de-CH" dirty="0" smtClean="0"/>
+              <a:t> a </a:t>
+            </a:r>
+            <a:r>
+              <a:rPr lang="de-CH" dirty="0" err="1" smtClean="0"/>
+              <a:t>base</a:t>
+            </a:r>
+            <a:endParaRPr lang="de-CH" dirty="0" smtClean="0"/>
+          </a:p>
+          <a:p>
+            <a:r>
+              <a:rPr lang="de-CH" dirty="0" err="1" smtClean="0"/>
+              <a:t>No</a:t>
+            </a:r>
+            <a:r>
+              <a:rPr lang="de-CH" dirty="0" smtClean="0"/>
+              <a:t> </a:t>
+            </a:r>
+            <a:r>
+              <a:rPr lang="de-CH" dirty="0" err="1" smtClean="0"/>
+              <a:t>need</a:t>
+            </a:r>
+            <a:r>
+              <a:rPr lang="de-CH" dirty="0" smtClean="0"/>
+              <a:t> </a:t>
+            </a:r>
+            <a:r>
+              <a:rPr lang="de-CH" dirty="0" err="1" smtClean="0"/>
+              <a:t>for</a:t>
+            </a:r>
+            <a:r>
+              <a:rPr lang="de-CH" dirty="0" smtClean="0"/>
+              <a:t> </a:t>
+            </a:r>
+            <a:r>
+              <a:rPr lang="de-CH" dirty="0" err="1" smtClean="0"/>
+              <a:t>SfM</a:t>
+            </a:r>
+            <a:r>
+              <a:rPr lang="de-CH" dirty="0" smtClean="0"/>
+              <a:t> </a:t>
+            </a:r>
+            <a:r>
+              <a:rPr lang="de-CH" dirty="0" err="1" smtClean="0"/>
+              <a:t>to</a:t>
+            </a:r>
+            <a:r>
+              <a:rPr lang="de-CH" dirty="0" smtClean="0"/>
+              <a:t> </a:t>
+            </a:r>
+            <a:r>
+              <a:rPr lang="de-CH" dirty="0" err="1" smtClean="0"/>
+              <a:t>perform</a:t>
+            </a:r>
+            <a:r>
+              <a:rPr lang="de-CH" dirty="0" smtClean="0"/>
+              <a:t> </a:t>
+            </a:r>
+            <a:r>
+              <a:rPr lang="de-CH" dirty="0" err="1" smtClean="0"/>
+              <a:t>cluster</a:t>
+            </a:r>
+            <a:r>
+              <a:rPr lang="de-CH" dirty="0" smtClean="0"/>
+              <a:t> </a:t>
+            </a:r>
+            <a:r>
+              <a:rPr lang="de-CH" dirty="0" err="1" smtClean="0"/>
+              <a:t>or</a:t>
+            </a:r>
+            <a:r>
+              <a:rPr lang="de-CH" dirty="0" smtClean="0"/>
+              <a:t> </a:t>
+            </a:r>
+            <a:r>
+              <a:rPr lang="de-CH" dirty="0" err="1" smtClean="0"/>
+              <a:t>iconic</a:t>
+            </a:r>
+            <a:r>
+              <a:rPr lang="de-CH" dirty="0" smtClean="0"/>
+              <a:t> </a:t>
+            </a:r>
+            <a:r>
+              <a:rPr lang="de-CH" dirty="0" err="1" smtClean="0"/>
+              <a:t>image</a:t>
+            </a:r>
+            <a:r>
+              <a:rPr lang="de-CH" dirty="0" smtClean="0"/>
+              <a:t> </a:t>
+            </a:r>
+            <a:r>
+              <a:rPr lang="de-CH" dirty="0" err="1" smtClean="0"/>
+              <a:t>matching</a:t>
+            </a:r>
+            <a:endParaRPr lang="de-CH" dirty="0" smtClean="0"/>
+          </a:p>
+          <a:p>
+            <a:r>
+              <a:rPr lang="de-CH" dirty="0" err="1"/>
+              <a:t>Iconic</a:t>
+            </a:r>
+            <a:r>
+              <a:rPr lang="de-CH" dirty="0"/>
+              <a:t> </a:t>
+            </a:r>
+            <a:r>
+              <a:rPr lang="de-CH" dirty="0" err="1"/>
+              <a:t>images</a:t>
+            </a:r>
+            <a:r>
+              <a:rPr lang="de-CH" dirty="0"/>
+              <a:t> do not </a:t>
+            </a:r>
+            <a:r>
+              <a:rPr lang="de-CH" dirty="0" err="1"/>
+              <a:t>match</a:t>
+            </a:r>
+            <a:r>
+              <a:rPr lang="de-CH" dirty="0"/>
+              <a:t> </a:t>
+            </a:r>
+            <a:r>
+              <a:rPr lang="de-CH" dirty="0" err="1"/>
+              <a:t>densly</a:t>
+            </a:r>
+            <a:r>
+              <a:rPr lang="de-CH" dirty="0"/>
+              <a:t>, </a:t>
+            </a:r>
+            <a:r>
+              <a:rPr lang="de-CH" dirty="0" err="1"/>
+              <a:t>adding</a:t>
+            </a:r>
+            <a:r>
+              <a:rPr lang="de-CH" dirty="0"/>
+              <a:t> </a:t>
+            </a:r>
+            <a:r>
+              <a:rPr lang="de-CH" dirty="0" err="1"/>
+              <a:t>most</a:t>
+            </a:r>
+            <a:r>
+              <a:rPr lang="de-CH" dirty="0"/>
+              <a:t> </a:t>
+            </a:r>
+            <a:r>
+              <a:rPr lang="de-CH" dirty="0" err="1"/>
+              <a:t>connecting</a:t>
+            </a:r>
+            <a:r>
+              <a:rPr lang="de-CH" dirty="0"/>
+              <a:t> </a:t>
+            </a:r>
+            <a:r>
+              <a:rPr lang="de-CH" dirty="0" err="1"/>
+              <a:t>images</a:t>
+            </a:r>
+            <a:r>
+              <a:rPr lang="de-CH" dirty="0"/>
+              <a:t> </a:t>
+            </a:r>
+            <a:r>
+              <a:rPr lang="de-CH" dirty="0" err="1"/>
+              <a:t>to</a:t>
+            </a:r>
+            <a:r>
+              <a:rPr lang="de-CH" dirty="0"/>
+              <a:t> </a:t>
+            </a:r>
+            <a:r>
+              <a:rPr lang="de-CH" dirty="0" err="1"/>
+              <a:t>connect</a:t>
+            </a:r>
+            <a:r>
+              <a:rPr lang="de-CH" dirty="0"/>
+              <a:t> </a:t>
+            </a:r>
+            <a:r>
+              <a:rPr lang="de-CH" dirty="0" err="1"/>
+              <a:t>as</a:t>
+            </a:r>
+            <a:r>
+              <a:rPr lang="de-CH" dirty="0"/>
+              <a:t> </a:t>
+            </a:r>
+            <a:r>
+              <a:rPr lang="de-CH" dirty="0" err="1"/>
+              <a:t>many</a:t>
+            </a:r>
+            <a:r>
+              <a:rPr lang="de-CH" dirty="0"/>
+              <a:t> </a:t>
+            </a:r>
+            <a:r>
+              <a:rPr lang="de-CH" dirty="0" err="1"/>
+              <a:t>clusters</a:t>
+            </a:r>
+            <a:r>
+              <a:rPr lang="de-CH" dirty="0"/>
+              <a:t> </a:t>
+            </a:r>
+            <a:r>
+              <a:rPr lang="de-CH" dirty="0" err="1"/>
+              <a:t>as</a:t>
+            </a:r>
+            <a:r>
+              <a:rPr lang="de-CH" dirty="0"/>
+              <a:t> </a:t>
+            </a:r>
+            <a:r>
+              <a:rPr lang="de-CH" dirty="0" err="1" smtClean="0"/>
+              <a:t>possible</a:t>
+            </a:r>
+            <a:endParaRPr lang="de-CH" dirty="0" smtClean="0"/>
+          </a:p>
+          <a:p>
+            <a:r>
+              <a:rPr lang="de-CH" dirty="0" err="1" smtClean="0"/>
+              <a:t>Seperate</a:t>
+            </a:r>
+            <a:r>
+              <a:rPr lang="de-CH" dirty="0" smtClean="0"/>
+              <a:t> </a:t>
+            </a:r>
+            <a:r>
+              <a:rPr lang="de-CH" dirty="0" err="1" smtClean="0"/>
+              <a:t>hierachical</a:t>
+            </a:r>
+            <a:r>
+              <a:rPr lang="de-CH" dirty="0" smtClean="0"/>
+              <a:t> </a:t>
+            </a:r>
+            <a:r>
+              <a:rPr lang="de-CH" dirty="0" err="1" smtClean="0"/>
+              <a:t>SfM</a:t>
+            </a:r>
+            <a:r>
+              <a:rPr lang="de-CH" dirty="0"/>
+              <a:t> </a:t>
+            </a:r>
+            <a:r>
+              <a:rPr lang="de-CH" dirty="0" err="1" smtClean="0"/>
+              <a:t>process</a:t>
+            </a:r>
+            <a:r>
+              <a:rPr lang="de-CH" dirty="0" smtClean="0"/>
+              <a:t> </a:t>
+            </a:r>
+            <a:r>
+              <a:rPr lang="de-CH" dirty="0" err="1" smtClean="0"/>
+              <a:t>for</a:t>
+            </a:r>
+            <a:r>
+              <a:rPr lang="de-CH" dirty="0" smtClean="0"/>
+              <a:t> </a:t>
+            </a:r>
+            <a:r>
+              <a:rPr lang="de-CH" dirty="0" err="1" smtClean="0"/>
+              <a:t>every</a:t>
+            </a:r>
+            <a:r>
+              <a:rPr lang="de-CH" dirty="0" smtClean="0"/>
+              <a:t> </a:t>
+            </a:r>
+            <a:r>
+              <a:rPr lang="de-CH" dirty="0" err="1" smtClean="0"/>
+              <a:t>connected</a:t>
+            </a:r>
+            <a:r>
+              <a:rPr lang="de-CH" dirty="0" smtClean="0"/>
+              <a:t> </a:t>
+            </a:r>
+            <a:r>
+              <a:rPr lang="de-CH" dirty="0" err="1" smtClean="0"/>
+              <a:t>component</a:t>
+            </a:r>
+            <a:endParaRPr lang="de-CH" dirty="0" smtClean="0"/>
+          </a:p>
+          <a:p>
+            <a:r>
+              <a:rPr lang="de-CH" dirty="0" err="1" smtClean="0"/>
+              <a:t>Greedy</a:t>
+            </a:r>
+            <a:r>
+              <a:rPr lang="de-CH" dirty="0" smtClean="0"/>
+              <a:t> </a:t>
+            </a:r>
+            <a:r>
+              <a:rPr lang="de-CH" dirty="0" err="1" smtClean="0"/>
+              <a:t>strategy</a:t>
+            </a:r>
+            <a:r>
+              <a:rPr lang="de-CH" dirty="0" smtClean="0"/>
+              <a:t>: </a:t>
+            </a:r>
+            <a:r>
+              <a:rPr lang="de-CH" dirty="0" err="1" smtClean="0"/>
+              <a:t>algorithm</a:t>
+            </a:r>
+            <a:r>
+              <a:rPr lang="de-CH" dirty="0" smtClean="0"/>
+              <a:t> </a:t>
+            </a:r>
+            <a:r>
+              <a:rPr lang="de-CH" dirty="0" err="1" smtClean="0"/>
+              <a:t>to</a:t>
+            </a:r>
+            <a:r>
+              <a:rPr lang="de-CH" dirty="0" smtClean="0"/>
+              <a:t> </a:t>
+            </a:r>
+            <a:r>
+              <a:rPr lang="de-CH" dirty="0" err="1" smtClean="0"/>
+              <a:t>choose</a:t>
+            </a:r>
+            <a:r>
+              <a:rPr lang="de-CH" dirty="0" smtClean="0"/>
+              <a:t> </a:t>
+            </a:r>
+            <a:r>
+              <a:rPr lang="de-CH" dirty="0" err="1" smtClean="0"/>
+              <a:t>iconic</a:t>
+            </a:r>
+            <a:r>
+              <a:rPr lang="de-CH" dirty="0" smtClean="0"/>
+              <a:t> </a:t>
+            </a:r>
+            <a:r>
+              <a:rPr lang="de-CH" dirty="0" err="1" smtClean="0"/>
+              <a:t>images</a:t>
+            </a:r>
+            <a:r>
+              <a:rPr lang="de-CH" dirty="0" smtClean="0"/>
+              <a:t> MAYBE NEW SHEET</a:t>
+            </a:r>
+          </a:p>
+          <a:p>
+            <a:r>
+              <a:rPr lang="de-CH" dirty="0" smtClean="0">
+                <a:solidFill>
+                  <a:srgbClr val="FF0000"/>
+                </a:solidFill>
+              </a:rPr>
+              <a:t>P3P</a:t>
+            </a:r>
+          </a:p>
+          <a:p>
+            <a:pPr marL="0" indent="0">
+              <a:buNone/>
+            </a:pPr>
+            <a:endParaRPr lang="de-CH" dirty="0" smtClean="0"/>
+          </a:p>
+        </p:txBody>
+      </p:sp>
+      <p:sp>
+        <p:nvSpPr>
+          <p:cNvPr id="7" name="Inhaltsplatzhalter 6"/>
+          <p:cNvSpPr>
+            <a:spLocks noGrp="1"/>
+          </p:cNvSpPr>
+          <p:nvPr>
+            <p:ph sz="half" idx="2"/>
+          </p:nvPr>
+        </p:nvSpPr>
+        <p:spPr/>
+        <p:txBody>
+          <a:bodyPr/>
+          <a:lstStyle/>
+          <a:p>
+            <a:r>
+              <a:rPr lang="de-CH" dirty="0" smtClean="0"/>
+              <a:t>Matrix M </a:t>
+            </a:r>
+            <a:r>
+              <a:rPr lang="de-CH" dirty="0" err="1" smtClean="0"/>
+              <a:t>with</a:t>
+            </a:r>
+            <a:r>
+              <a:rPr lang="de-CH" dirty="0" smtClean="0"/>
+              <a:t> </a:t>
+            </a:r>
+            <a:r>
+              <a:rPr lang="de-CH" dirty="0" err="1" smtClean="0"/>
+              <a:t>only</a:t>
+            </a:r>
+            <a:r>
+              <a:rPr lang="de-CH" dirty="0" smtClean="0"/>
+              <a:t> </a:t>
+            </a:r>
+            <a:r>
+              <a:rPr lang="de-CH" dirty="0" err="1" smtClean="0"/>
+              <a:t>iconic</a:t>
+            </a:r>
+            <a:r>
+              <a:rPr lang="de-CH" dirty="0" smtClean="0"/>
+              <a:t> Images</a:t>
+            </a:r>
+          </a:p>
+          <a:p>
+            <a:r>
+              <a:rPr lang="de-CH" dirty="0" smtClean="0"/>
+              <a:t>Matrix M </a:t>
+            </a:r>
+            <a:r>
+              <a:rPr lang="de-CH" dirty="0" err="1" smtClean="0"/>
+              <a:t>with</a:t>
+            </a:r>
+            <a:r>
+              <a:rPr lang="de-CH" dirty="0" smtClean="0"/>
+              <a:t> </a:t>
+            </a:r>
+            <a:r>
+              <a:rPr lang="de-CH" dirty="0" err="1" smtClean="0"/>
+              <a:t>iconic</a:t>
+            </a:r>
+            <a:r>
+              <a:rPr lang="de-CH" dirty="0" smtClean="0"/>
+              <a:t> </a:t>
+            </a:r>
+            <a:r>
+              <a:rPr lang="de-CH" dirty="0" err="1" smtClean="0"/>
+              <a:t>and</a:t>
+            </a:r>
+            <a:r>
+              <a:rPr lang="de-CH" dirty="0" smtClean="0"/>
+              <a:t> </a:t>
+            </a:r>
+            <a:r>
+              <a:rPr lang="de-CH" dirty="0" err="1" smtClean="0"/>
+              <a:t>subset</a:t>
+            </a:r>
+            <a:r>
+              <a:rPr lang="de-CH" dirty="0" smtClean="0"/>
+              <a:t> </a:t>
+            </a:r>
+            <a:r>
+              <a:rPr lang="de-CH" dirty="0" err="1" smtClean="0"/>
+              <a:t>of</a:t>
+            </a:r>
+            <a:r>
+              <a:rPr lang="de-CH" dirty="0" smtClean="0"/>
+              <a:t> </a:t>
+            </a:r>
+            <a:r>
+              <a:rPr lang="de-CH" dirty="0" err="1" smtClean="0"/>
+              <a:t>connecting</a:t>
+            </a:r>
+            <a:r>
+              <a:rPr lang="de-CH" dirty="0" smtClean="0"/>
+              <a:t> </a:t>
+            </a:r>
+            <a:r>
+              <a:rPr lang="de-CH" dirty="0" err="1" smtClean="0"/>
+              <a:t>images</a:t>
+            </a:r>
+            <a:endParaRPr lang="de-CH" dirty="0"/>
+          </a:p>
+        </p:txBody>
+      </p:sp>
+      <p:sp>
+        <p:nvSpPr>
+          <p:cNvPr id="2" name="Datumsplatzhalter 1"/>
+          <p:cNvSpPr>
+            <a:spLocks noGrp="1"/>
+          </p:cNvSpPr>
+          <p:nvPr>
+            <p:ph type="dt" sz="half" idx="10"/>
+          </p:nvPr>
+        </p:nvSpPr>
+        <p:spPr/>
+        <p:txBody>
+          <a:bodyPr/>
+          <a:lstStyle/>
+          <a:p>
+            <a:fld id="{D7D23431-3A84-4A29-ADE9-6688760CEB46}" type="datetime1">
+              <a:rPr lang="de-DE" smtClean="0"/>
+              <a:t>16.03.2018</a:t>
+            </a:fld>
+            <a:endParaRPr lang="de-CH" dirty="0"/>
+          </a:p>
+        </p:txBody>
+      </p:sp>
+      <p:sp>
+        <p:nvSpPr>
+          <p:cNvPr id="3" name="Fußzeilenplatzhalter 2"/>
+          <p:cNvSpPr>
+            <a:spLocks noGrp="1"/>
+          </p:cNvSpPr>
+          <p:nvPr>
+            <p:ph type="ftr" sz="quarter" idx="11"/>
+          </p:nvPr>
+        </p:nvSpPr>
+        <p:spPr/>
+        <p:txBody>
+          <a:bodyPr/>
+          <a:lstStyle/>
+          <a:p>
+            <a:r>
+              <a:rPr lang="de-CH" smtClean="0"/>
+              <a:t>Varin Buff, Gian-Andrea Heinrich, Björn Joos, Robin Stähli</a:t>
+            </a:r>
+            <a:endParaRPr lang="de-CH" dirty="0"/>
+          </a:p>
+        </p:txBody>
+      </p:sp>
+      <p:sp>
+        <p:nvSpPr>
+          <p:cNvPr id="4" name="Foliennummernplatzhalter 3"/>
+          <p:cNvSpPr>
+            <a:spLocks noGrp="1"/>
+          </p:cNvSpPr>
+          <p:nvPr>
+            <p:ph type="sldNum" sz="quarter" idx="12"/>
+          </p:nvPr>
+        </p:nvSpPr>
+        <p:spPr/>
+        <p:txBody>
+          <a:bodyPr/>
+          <a:lstStyle/>
+          <a:p>
+            <a:fld id="{6C6AE60A-B69C-4790-82F7-3882EDF23186}" type="slidenum">
+              <a:rPr lang="de-CH" smtClean="0"/>
+              <a:t>6</a:t>
+            </a:fld>
+            <a:endParaRPr lang="de-CH" dirty="0"/>
+          </a:p>
+        </p:txBody>
+      </p:sp>
+      <p:sp>
+        <p:nvSpPr>
+          <p:cNvPr id="5" name="Titel 4"/>
+          <p:cNvSpPr>
+            <a:spLocks noGrp="1"/>
+          </p:cNvSpPr>
+          <p:nvPr>
+            <p:ph type="title"/>
+          </p:nvPr>
+        </p:nvSpPr>
+        <p:spPr/>
+        <p:txBody>
+          <a:bodyPr/>
+          <a:lstStyle/>
+          <a:p>
+            <a:r>
+              <a:rPr lang="de-CH" dirty="0" err="1" smtClean="0"/>
+              <a:t>Structure</a:t>
+            </a:r>
+            <a:r>
+              <a:rPr lang="de-CH" dirty="0" smtClean="0"/>
+              <a:t> </a:t>
+            </a:r>
+            <a:r>
+              <a:rPr lang="de-CH" dirty="0" err="1"/>
+              <a:t>F</a:t>
+            </a:r>
+            <a:r>
+              <a:rPr lang="de-CH" dirty="0" err="1" smtClean="0"/>
+              <a:t>rom</a:t>
+            </a:r>
+            <a:r>
+              <a:rPr lang="de-CH" dirty="0" smtClean="0"/>
+              <a:t> Motion (</a:t>
+            </a:r>
+            <a:r>
+              <a:rPr lang="de-CH" dirty="0" err="1" smtClean="0"/>
+              <a:t>SfM</a:t>
+            </a:r>
+            <a:r>
+              <a:rPr lang="de-CH" dirty="0" smtClean="0"/>
+              <a:t>)</a:t>
+            </a:r>
+            <a:endParaRPr lang="de-CH" dirty="0"/>
+          </a:p>
+        </p:txBody>
+      </p:sp>
+    </p:spTree>
+    <p:extLst>
+      <p:ext uri="{BB962C8B-B14F-4D97-AF65-F5344CB8AC3E}">
+        <p14:creationId xmlns:p14="http://schemas.microsoft.com/office/powerpoint/2010/main" val="2553520456"/>
+      </p:ext>
+    </p:extLst>
+  </p:cSld>
+  <p:clrMapOvr>
+    <a:masterClrMapping/>
+  </p:clrMapOvr>
+  <p:transition>
+    <p:fade/>
+  </p:transition>
+  <p:timing>
+    <p:tnLst>
+      <p:par>
+        <p:cTn id="1" dur="indefinite" restart="never" nodeType="tmRoot"/>
+      </p:par>
+    </p:tnLst>
+  </p:timing>
+</p:sld>
+</file>
+
+<file path=ppt/slides/slide7.xml><?xml version="1.0" encoding="utf-8"?>
+<p:sld xmlns:a="http://schemas.openxmlformats.org/drawingml/2006/main" xmlns:r="http://schemas.openxmlformats.org/officeDocument/2006/relationships" xmlns:p="http://schemas.openxmlformats.org/presentationml/2006/main">
+  <p:cSld>
+    <p:spTree>
+      <p:nvGrpSpPr>
+        <p:cNvPr id="1" name=""/>
+        <p:cNvGrpSpPr/>
+        <p:nvPr/>
+      </p:nvGrpSpPr>
+      <p:grpSpPr>
+        <a:xfrm>
+          <a:off x="0" y="0"/>
+          <a:ext cx="0" cy="0"/>
+          <a:chOff x="0" y="0"/>
+          <a:chExt cx="0" cy="0"/>
+        </a:xfrm>
+      </p:grpSpPr>
+      <p:sp>
+        <p:nvSpPr>
           <p:cNvPr id="2" name="Inhaltsplatzhalter 1"/>
           <p:cNvSpPr>
             <a:spLocks noGrp="1"/>
@@ -37688,6 +38911,14 @@
             <a:r>
               <a:rPr lang="de-CH" dirty="0" err="1" smtClean="0"/>
               <a:t>more</a:t>
+            </a:r>
+            <a:r>
+              <a:rPr lang="de-CH" dirty="0" smtClean="0"/>
+              <a:t> </a:t>
+            </a:r>
+            <a:r>
+              <a:rPr lang="de-CH" dirty="0" err="1" smtClean="0"/>
+              <a:t>connecting</a:t>
             </a:r>
             <a:r>
               <a:rPr lang="de-CH" dirty="0" smtClean="0"/>
@@ -37820,7 +39051,7 @@
           <a:p>
             <a:fld id="{6C6AE60A-B69C-4790-82F7-3882EDF23186}" type="slidenum">
               <a:rPr lang="de-CH" smtClean="0"/>
-              <a:t>6</a:t>
+              <a:t>7</a:t>
             </a:fld>
             <a:endParaRPr lang="de-CH" dirty="0"/>
           </a:p>
@@ -37852,7 +39083,7 @@
     </p:spTree>
     <p:extLst>
       <p:ext uri="{BB962C8B-B14F-4D97-AF65-F5344CB8AC3E}">
-        <p14:creationId xmlns:p14="http://schemas.microsoft.com/office/powerpoint/2010/main" val="451355585"/>
+        <p14:creationId xmlns:p14="http://schemas.microsoft.com/office/powerpoint/2010/main" val="3152712290"/>
       </p:ext>
     </p:extLst>
   </p:cSld>
